--- a/PRISM_최종.pptx
+++ b/PRISM_최종.pptx
@@ -5041,7 +5041,23 @@
                 <a:ea typeface="함초롬돋움" panose="020B0604000101010101" pitchFamily="50" charset="-127"/>
                 <a:cs typeface="함초롬돋움" panose="020B0604000101010101" pitchFamily="50" charset="-127"/>
               </a:rPr>
-              <a:t>삭제 됬을 때 </a:t>
+              <a:t>삭제 </a:t>
+            </a:r>
+            <a:r>
+              <a:rPr lang="ko-KR" altLang="en-US" dirty="0" smtClean="0">
+                <a:latin typeface="함초롬돋움" panose="020B0604000101010101" pitchFamily="50" charset="-127"/>
+                <a:ea typeface="함초롬돋움" panose="020B0604000101010101" pitchFamily="50" charset="-127"/>
+                <a:cs typeface="함초롬돋움" panose="020B0604000101010101" pitchFamily="50" charset="-127"/>
+              </a:rPr>
+              <a:t>됐을 </a:t>
+            </a:r>
+            <a:r>
+              <a:rPr lang="ko-KR" altLang="en-US" dirty="0" smtClean="0">
+                <a:latin typeface="함초롬돋움" panose="020B0604000101010101" pitchFamily="50" charset="-127"/>
+                <a:ea typeface="함초롬돋움" panose="020B0604000101010101" pitchFamily="50" charset="-127"/>
+                <a:cs typeface="함초롬돋움" panose="020B0604000101010101" pitchFamily="50" charset="-127"/>
+              </a:rPr>
+              <a:t>때 </a:t>
             </a:r>
             <a:r>
               <a:rPr lang="en-US" altLang="ko-KR" dirty="0" err="1" smtClean="0">
@@ -5710,23 +5726,15 @@
                 <a:ea typeface="함초롬돋움" panose="020B0604000101010101" pitchFamily="50" charset="-127"/>
                 <a:cs typeface="함초롬돋움" panose="020B0604000101010101" pitchFamily="50" charset="-127"/>
               </a:rPr>
-              <a:t>과 컨트롤을 </a:t>
-            </a:r>
-            <a:r>
-              <a:rPr lang="ko-KR" altLang="en-US" smtClean="0">
-                <a:latin typeface="함초롬돋움" panose="020B0604000101010101" pitchFamily="50" charset="-127"/>
-                <a:ea typeface="함초롬돋움" panose="020B0604000101010101" pitchFamily="50" charset="-127"/>
-                <a:cs typeface="함초롬돋움" panose="020B0604000101010101" pitchFamily="50" charset="-127"/>
-              </a:rPr>
-              <a:t>연결하는 </a:t>
-            </a:r>
-            <a:r>
-              <a:rPr lang="en-US" altLang="ko-KR" smtClean="0">
-                <a:latin typeface="함초롬돋움" panose="020B0604000101010101" pitchFamily="50" charset="-127"/>
-                <a:ea typeface="함초롬돋움" panose="020B0604000101010101" pitchFamily="50" charset="-127"/>
-                <a:cs typeface="함초롬돋움" panose="020B0604000101010101" pitchFamily="50" charset="-127"/>
-              </a:rPr>
-              <a:t>Regiondapter</a:t>
+              <a:t>과 컨트롤을 연결하는 </a:t>
+            </a:r>
+            <a:r>
+              <a:rPr lang="en-US" altLang="ko-KR" dirty="0" err="1" smtClean="0">
+                <a:latin typeface="함초롬돋움" panose="020B0604000101010101" pitchFamily="50" charset="-127"/>
+                <a:ea typeface="함초롬돋움" panose="020B0604000101010101" pitchFamily="50" charset="-127"/>
+                <a:cs typeface="함초롬돋움" panose="020B0604000101010101" pitchFamily="50" charset="-127"/>
+              </a:rPr>
+              <a:t>RegionAdapter</a:t>
             </a:r>
             <a:r>
               <a:rPr lang="ko-KR" altLang="en-US" dirty="0" smtClean="0">
@@ -8806,7 +8814,7 @@
                 <a:ea typeface="함초롬돋움" panose="020B0604000101010101" pitchFamily="50" charset="-127"/>
                 <a:cs typeface="함초롬돋움" panose="020B0604000101010101" pitchFamily="50" charset="-127"/>
               </a:rPr>
-              <a:t>AttachBaviors</a:t>
+              <a:t>AttachBehaviors</a:t>
             </a:r>
             <a:r>
               <a:rPr lang="en-US" altLang="ko-KR" dirty="0" smtClean="0">

--- a/PRISM_최종.pptx
+++ b/PRISM_최종.pptx
@@ -19,7 +19,7 @@
     <p:sldId id="329" r:id="rId13"/>
     <p:sldId id="313" r:id="rId14"/>
     <p:sldId id="314" r:id="rId15"/>
-    <p:sldId id="315" r:id="rId16"/>
+    <p:sldId id="330" r:id="rId16"/>
     <p:sldId id="316" r:id="rId17"/>
     <p:sldId id="317" r:id="rId18"/>
     <p:sldId id="318" r:id="rId19"/>
@@ -3134,15 +3134,7 @@
                 <a:ea typeface="함초롬돋움" panose="020B0604000101010101" pitchFamily="50" charset="-127"/>
                 <a:cs typeface="함초롬돋움" panose="020B0604000101010101" pitchFamily="50" charset="-127"/>
               </a:rPr>
-              <a:t>사용자와의 </a:t>
-            </a:r>
-            <a:r>
-              <a:rPr lang="ko-KR" altLang="en-US" dirty="0" smtClean="0">
-                <a:latin typeface="함초롬돋움" panose="020B0604000101010101" pitchFamily="50" charset="-127"/>
-                <a:ea typeface="함초롬돋움" panose="020B0604000101010101" pitchFamily="50" charset="-127"/>
-                <a:cs typeface="함초롬돋움" panose="020B0604000101010101" pitchFamily="50" charset="-127"/>
-              </a:rPr>
-              <a:t>상호작용이나 내부의 상태변화로 </a:t>
+              <a:t>사용자와의 상호작용이나 내부의 상태변화로 </a:t>
             </a:r>
             <a:r>
               <a:rPr lang="en-US" altLang="ko-KR" dirty="0" smtClean="0">
@@ -5041,23 +5033,7 @@
                 <a:ea typeface="함초롬돋움" panose="020B0604000101010101" pitchFamily="50" charset="-127"/>
                 <a:cs typeface="함초롬돋움" panose="020B0604000101010101" pitchFamily="50" charset="-127"/>
               </a:rPr>
-              <a:t>삭제 </a:t>
-            </a:r>
-            <a:r>
-              <a:rPr lang="ko-KR" altLang="en-US" dirty="0" smtClean="0">
-                <a:latin typeface="함초롬돋움" panose="020B0604000101010101" pitchFamily="50" charset="-127"/>
-                <a:ea typeface="함초롬돋움" panose="020B0604000101010101" pitchFamily="50" charset="-127"/>
-                <a:cs typeface="함초롬돋움" panose="020B0604000101010101" pitchFamily="50" charset="-127"/>
-              </a:rPr>
-              <a:t>됐을 </a:t>
-            </a:r>
-            <a:r>
-              <a:rPr lang="ko-KR" altLang="en-US" dirty="0" smtClean="0">
-                <a:latin typeface="함초롬돋움" panose="020B0604000101010101" pitchFamily="50" charset="-127"/>
-                <a:ea typeface="함초롬돋움" panose="020B0604000101010101" pitchFamily="50" charset="-127"/>
-                <a:cs typeface="함초롬돋움" panose="020B0604000101010101" pitchFamily="50" charset="-127"/>
-              </a:rPr>
-              <a:t>때 </a:t>
+              <a:t>삭제 됐을 때 </a:t>
             </a:r>
             <a:r>
               <a:rPr lang="en-US" altLang="ko-KR" dirty="0" err="1" smtClean="0">
@@ -5288,12 +5264,20 @@
               </a:spcAft>
             </a:pPr>
             <a:r>
-              <a:rPr lang="en-US" altLang="ko-KR" dirty="0" err="1" smtClean="0">
-                <a:latin typeface="함초롬돋움" panose="020B0604000101010101" pitchFamily="50" charset="-127"/>
-                <a:ea typeface="함초롬돋움" panose="020B0604000101010101" pitchFamily="50" charset="-127"/>
-                <a:cs typeface="함초롬돋움" panose="020B0604000101010101" pitchFamily="50" charset="-127"/>
-              </a:rPr>
-              <a:t>CurrentChanged</a:t>
+              <a:rPr lang="ko-KR" altLang="en-US" dirty="0" smtClean="0">
+                <a:latin typeface="함초롬돋움" panose="020B0604000101010101" pitchFamily="50" charset="-127"/>
+                <a:ea typeface="함초롬돋움" panose="020B0604000101010101" pitchFamily="50" charset="-127"/>
+                <a:cs typeface="함초롬돋움" panose="020B0604000101010101" pitchFamily="50" charset="-127"/>
+              </a:rPr>
+              <a:t>컬렉션을 </a:t>
+            </a:r>
+            <a:r>
+              <a:rPr lang="ko-KR" altLang="en-US" dirty="0" err="1" smtClean="0">
+                <a:latin typeface="함초롬돋움" panose="020B0604000101010101" pitchFamily="50" charset="-127"/>
+                <a:ea typeface="함초롬돋움" panose="020B0604000101010101" pitchFamily="50" charset="-127"/>
+                <a:cs typeface="함초롬돋움" panose="020B0604000101010101" pitchFamily="50" charset="-127"/>
+              </a:rPr>
+              <a:t>필터링</a:t>
             </a:r>
             <a:r>
               <a:rPr lang="en-US" altLang="ko-KR" dirty="0" smtClean="0">
@@ -5301,7 +5285,7 @@
                 <a:ea typeface="함초롬돋움" panose="020B0604000101010101" pitchFamily="50" charset="-127"/>
                 <a:cs typeface="함초롬돋움" panose="020B0604000101010101" pitchFamily="50" charset="-127"/>
               </a:rPr>
-              <a:t> </a:t>
+              <a:t>, </a:t>
             </a:r>
             <a:r>
               <a:rPr lang="ko-KR" altLang="en-US" dirty="0" smtClean="0">
@@ -5309,15 +5293,7 @@
                 <a:ea typeface="함초롬돋움" panose="020B0604000101010101" pitchFamily="50" charset="-127"/>
                 <a:cs typeface="함초롬돋움" panose="020B0604000101010101" pitchFamily="50" charset="-127"/>
               </a:rPr>
-              <a:t>이벤트로 </a:t>
-            </a:r>
-            <a:r>
-              <a:rPr lang="ko-KR" altLang="en-US" dirty="0" err="1" smtClean="0">
-                <a:latin typeface="함초롬돋움" panose="020B0604000101010101" pitchFamily="50" charset="-127"/>
-                <a:ea typeface="함초롬돋움" panose="020B0604000101010101" pitchFamily="50" charset="-127"/>
-                <a:cs typeface="함초롬돋움" panose="020B0604000101010101" pitchFamily="50" charset="-127"/>
-              </a:rPr>
-              <a:t>필터링</a:t>
+              <a:t>정렬</a:t>
             </a:r>
             <a:r>
               <a:rPr lang="en-US" altLang="ko-KR" dirty="0" smtClean="0">
@@ -5333,20 +5309,56 @@
                 <a:ea typeface="함초롬돋움" panose="020B0604000101010101" pitchFamily="50" charset="-127"/>
                 <a:cs typeface="함초롬돋움" panose="020B0604000101010101" pitchFamily="50" charset="-127"/>
               </a:rPr>
-              <a:t>정렬 또는 그룹화를 제어</a:t>
-            </a:r>
+              <a:t>그룹화를 하고 현재 선택된 아이템을  찾거나 변경</a:t>
+            </a:r>
+            <a:endParaRPr lang="en-US" altLang="ko-KR" dirty="0" smtClean="0">
+              <a:latin typeface="함초롬돋움" panose="020B0604000101010101" pitchFamily="50" charset="-127"/>
+              <a:ea typeface="함초롬돋움" panose="020B0604000101010101" pitchFamily="50" charset="-127"/>
+              <a:cs typeface="함초롬돋움" panose="020B0604000101010101" pitchFamily="50" charset="-127"/>
+            </a:endParaRPr>
+          </a:p>
+          <a:p>
+            <a:pPr eaLnBrk="0" fontAlgn="base" latinLnBrk="0" hangingPunct="0">
+              <a:lnSpc>
+                <a:spcPct val="100000"/>
+              </a:lnSpc>
+              <a:spcBef>
+                <a:spcPct val="0"/>
+              </a:spcBef>
+              <a:spcAft>
+                <a:spcPct val="0"/>
+              </a:spcAft>
+            </a:pPr>
             <a:endParaRPr lang="en-US" altLang="ko-KR" dirty="0">
               <a:latin typeface="함초롬돋움" panose="020B0604000101010101" pitchFamily="50" charset="-127"/>
               <a:ea typeface="함초롬돋움" panose="020B0604000101010101" pitchFamily="50" charset="-127"/>
               <a:cs typeface="함초롬돋움" panose="020B0604000101010101" pitchFamily="50" charset="-127"/>
             </a:endParaRPr>
           </a:p>
+          <a:p>
+            <a:pPr eaLnBrk="0" fontAlgn="base" latinLnBrk="0" hangingPunct="0">
+              <a:lnSpc>
+                <a:spcPct val="100000"/>
+              </a:lnSpc>
+              <a:spcBef>
+                <a:spcPct val="0"/>
+              </a:spcBef>
+              <a:spcAft>
+                <a:spcPct val="0"/>
+              </a:spcAft>
+            </a:pPr>
+            <a:endParaRPr lang="en-US" altLang="ko-KR" dirty="0">
+              <a:latin typeface="함초롬돋움" panose="020B0604000101010101" pitchFamily="50" charset="-127"/>
+              <a:ea typeface="함초롬돋움" panose="020B0604000101010101" pitchFamily="50" charset="-127"/>
+              <a:cs typeface="함초롬돋움" panose="020B0604000101010101" pitchFamily="50" charset="-127"/>
+            </a:endParaRPr>
+          </a:p>
         </p:txBody>
       </p:sp>
     </p:spTree>
     <p:extLst>
       <p:ext uri="{BB962C8B-B14F-4D97-AF65-F5344CB8AC3E}">
-        <p14:creationId xmlns:p14="http://schemas.microsoft.com/office/powerpoint/2010/main" val="768711950"/>
+        <p14:creationId xmlns:p14="http://schemas.microsoft.com/office/powerpoint/2010/main" val="3759486088"/>
       </p:ext>
     </p:extLst>
   </p:cSld>
@@ -10989,14 +11001,7 @@
                 <a:latin typeface="+mn-ea"/>
                 <a:cs typeface="함초롬돋움" panose="020B0604000101010101" pitchFamily="50" charset="-127"/>
               </a:rPr>
-              <a:t>Event </a:t>
-            </a:r>
-            <a:r>
-              <a:rPr lang="en-US" altLang="ko-KR" dirty="0" smtClean="0">
-                <a:latin typeface="+mn-ea"/>
-                <a:cs typeface="함초롬돋움" panose="020B0604000101010101" pitchFamily="50" charset="-127"/>
-              </a:rPr>
-              <a:t>Aggregator</a:t>
+              <a:t>Event Aggregator</a:t>
             </a:r>
             <a:endParaRPr lang="ko-KR" altLang="en-US" dirty="0"/>
           </a:p>

--- a/PRISM_최종.pptx
+++ b/PRISM_최종.pptx
@@ -22,15 +22,14 @@
     <p:sldId id="330" r:id="rId16"/>
     <p:sldId id="316" r:id="rId17"/>
     <p:sldId id="317" r:id="rId18"/>
-    <p:sldId id="318" r:id="rId19"/>
-    <p:sldId id="319" r:id="rId20"/>
-    <p:sldId id="320" r:id="rId21"/>
-    <p:sldId id="321" r:id="rId22"/>
-    <p:sldId id="322" r:id="rId23"/>
-    <p:sldId id="323" r:id="rId24"/>
-    <p:sldId id="324" r:id="rId25"/>
-    <p:sldId id="325" r:id="rId26"/>
-    <p:sldId id="326" r:id="rId27"/>
+    <p:sldId id="319" r:id="rId19"/>
+    <p:sldId id="320" r:id="rId20"/>
+    <p:sldId id="321" r:id="rId21"/>
+    <p:sldId id="322" r:id="rId22"/>
+    <p:sldId id="323" r:id="rId23"/>
+    <p:sldId id="324" r:id="rId24"/>
+    <p:sldId id="325" r:id="rId25"/>
+    <p:sldId id="326" r:id="rId26"/>
   </p:sldIdLst>
   <p:sldSz cx="12192000" cy="6858000"/>
   <p:notesSz cx="6858000" cy="9144000"/>
@@ -4749,7 +4748,15 @@
                 <a:ea typeface="함초롬돋움" panose="020B0604000101010101" pitchFamily="50" charset="-127"/>
                 <a:cs typeface="함초롬돋움" panose="020B0604000101010101" pitchFamily="50" charset="-127"/>
               </a:rPr>
-              <a:t>이 데이터가 변경 될 때 </a:t>
+              <a:t>의 </a:t>
+            </a:r>
+            <a:r>
+              <a:rPr lang="ko-KR" altLang="en-US" dirty="0" smtClean="0">
+                <a:latin typeface="함초롬돋움" panose="020B0604000101010101" pitchFamily="50" charset="-127"/>
+                <a:ea typeface="함초롬돋움" panose="020B0604000101010101" pitchFamily="50" charset="-127"/>
+                <a:cs typeface="함초롬돋움" panose="020B0604000101010101" pitchFamily="50" charset="-127"/>
+              </a:rPr>
+              <a:t>데이터가 변경 될 때 </a:t>
             </a:r>
             <a:r>
               <a:rPr lang="en-US" altLang="ko-KR" dirty="0" smtClean="0">
@@ -5012,12 +5019,20 @@
               </a:spcAft>
             </a:pPr>
             <a:r>
+              <a:rPr lang="en-US" altLang="ko-KR" dirty="0" err="1" smtClean="0">
+                <a:latin typeface="함초롬돋움" panose="020B0604000101010101" pitchFamily="50" charset="-127"/>
+                <a:ea typeface="함초롬돋움" panose="020B0604000101010101" pitchFamily="50" charset="-127"/>
+                <a:cs typeface="함초롬돋움" panose="020B0604000101010101" pitchFamily="50" charset="-127"/>
+              </a:rPr>
+              <a:t>ViewModel</a:t>
+            </a:r>
+            <a:r>
               <a:rPr lang="ko-KR" altLang="en-US" dirty="0" smtClean="0">
                 <a:latin typeface="함초롬돋움" panose="020B0604000101010101" pitchFamily="50" charset="-127"/>
                 <a:ea typeface="함초롬돋움" panose="020B0604000101010101" pitchFamily="50" charset="-127"/>
                 <a:cs typeface="함초롬돋움" panose="020B0604000101010101" pitchFamily="50" charset="-127"/>
               </a:rPr>
-              <a:t>컬렉션에 아이템이 추가</a:t>
+              <a:t>이나 </a:t>
             </a:r>
             <a:r>
               <a:rPr lang="en-US" altLang="ko-KR" dirty="0" smtClean="0">
@@ -5025,6 +5040,46 @@
                 <a:ea typeface="함초롬돋움" panose="020B0604000101010101" pitchFamily="50" charset="-127"/>
                 <a:cs typeface="함초롬돋움" panose="020B0604000101010101" pitchFamily="50" charset="-127"/>
               </a:rPr>
+              <a:t>Model</a:t>
+            </a:r>
+            <a:r>
+              <a:rPr lang="ko-KR" altLang="en-US" dirty="0" smtClean="0">
+                <a:latin typeface="함초롬돋움" panose="020B0604000101010101" pitchFamily="50" charset="-127"/>
+                <a:ea typeface="함초롬돋움" panose="020B0604000101010101" pitchFamily="50" charset="-127"/>
+                <a:cs typeface="함초롬돋움" panose="020B0604000101010101" pitchFamily="50" charset="-127"/>
+              </a:rPr>
+              <a:t>의</a:t>
+            </a:r>
+            <a:r>
+              <a:rPr lang="en-US" altLang="ko-KR" dirty="0" smtClean="0">
+                <a:latin typeface="함초롬돋움" panose="020B0604000101010101" pitchFamily="50" charset="-127"/>
+                <a:ea typeface="함초롬돋움" panose="020B0604000101010101" pitchFamily="50" charset="-127"/>
+                <a:cs typeface="함초롬돋움" panose="020B0604000101010101" pitchFamily="50" charset="-127"/>
+              </a:rPr>
+              <a:t> </a:t>
+            </a:r>
+            <a:r>
+              <a:rPr lang="ko-KR" altLang="en-US" dirty="0" smtClean="0">
+                <a:latin typeface="함초롬돋움" panose="020B0604000101010101" pitchFamily="50" charset="-127"/>
+                <a:ea typeface="함초롬돋움" panose="020B0604000101010101" pitchFamily="50" charset="-127"/>
+                <a:cs typeface="함초롬돋움" panose="020B0604000101010101" pitchFamily="50" charset="-127"/>
+              </a:rPr>
+              <a:t>컬렉션 </a:t>
+            </a:r>
+            <a:r>
+              <a:rPr lang="ko-KR" altLang="en-US" dirty="0" smtClean="0">
+                <a:latin typeface="함초롬돋움" panose="020B0604000101010101" pitchFamily="50" charset="-127"/>
+                <a:ea typeface="함초롬돋움" panose="020B0604000101010101" pitchFamily="50" charset="-127"/>
+                <a:cs typeface="함초롬돋움" panose="020B0604000101010101" pitchFamily="50" charset="-127"/>
+              </a:rPr>
+              <a:t>아이템이 추가</a:t>
+            </a:r>
+            <a:r>
+              <a:rPr lang="en-US" altLang="ko-KR" dirty="0" smtClean="0">
+                <a:latin typeface="함초롬돋움" panose="020B0604000101010101" pitchFamily="50" charset="-127"/>
+                <a:ea typeface="함초롬돋움" panose="020B0604000101010101" pitchFamily="50" charset="-127"/>
+                <a:cs typeface="함초롬돋움" panose="020B0604000101010101" pitchFamily="50" charset="-127"/>
+              </a:rPr>
               <a:t>, </a:t>
             </a:r>
             <a:r>
@@ -5092,12 +5147,20 @@
               <a:t>에서 </a:t>
             </a:r>
             <a:r>
-              <a:rPr lang="en-US" altLang="ko-KR" dirty="0" err="1" smtClean="0">
-                <a:latin typeface="함초롬돋움" panose="020B0604000101010101" pitchFamily="50" charset="-127"/>
-                <a:ea typeface="함초롬돋움" panose="020B0604000101010101" pitchFamily="50" charset="-127"/>
-                <a:cs typeface="함초롬돋움" panose="020B0604000101010101" pitchFamily="50" charset="-127"/>
-              </a:rPr>
-              <a:t>ItemsSource</a:t>
+              <a:rPr lang="ko-KR" altLang="en-US" dirty="0" smtClean="0">
+                <a:latin typeface="함초롬돋움" panose="020B0604000101010101" pitchFamily="50" charset="-127"/>
+                <a:ea typeface="함초롬돋움" panose="020B0604000101010101" pitchFamily="50" charset="-127"/>
+                <a:cs typeface="함초롬돋움" panose="020B0604000101010101" pitchFamily="50" charset="-127"/>
+              </a:rPr>
+              <a:t>데이터 </a:t>
+            </a:r>
+            <a:r>
+              <a:rPr lang="ko-KR" altLang="en-US" dirty="0" smtClean="0">
+                <a:latin typeface="함초롬돋움" panose="020B0604000101010101" pitchFamily="50" charset="-127"/>
+                <a:ea typeface="함초롬돋움" panose="020B0604000101010101" pitchFamily="50" charset="-127"/>
+                <a:cs typeface="함초롬돋움" panose="020B0604000101010101" pitchFamily="50" charset="-127"/>
+              </a:rPr>
+              <a:t>바인딩 된 </a:t>
             </a:r>
             <a:r>
               <a:rPr lang="en-US" altLang="ko-KR" dirty="0" smtClean="0">
@@ -5105,7 +5168,7 @@
                 <a:ea typeface="함초롬돋움" panose="020B0604000101010101" pitchFamily="50" charset="-127"/>
                 <a:cs typeface="함초롬돋움" panose="020B0604000101010101" pitchFamily="50" charset="-127"/>
               </a:rPr>
-              <a:t> Property</a:t>
+              <a:t>Property</a:t>
             </a:r>
             <a:r>
               <a:rPr lang="ko-KR" altLang="en-US" dirty="0" smtClean="0">
@@ -5309,7 +5372,75 @@
                 <a:ea typeface="함초롬돋움" panose="020B0604000101010101" pitchFamily="50" charset="-127"/>
                 <a:cs typeface="함초롬돋움" panose="020B0604000101010101" pitchFamily="50" charset="-127"/>
               </a:rPr>
-              <a:t>그룹화를 하고 현재 선택된 아이템을  찾거나 변경</a:t>
+              <a:t>그룹화를 하고 현재 선택된 아이템을  찾거나 </a:t>
+            </a:r>
+            <a:r>
+              <a:rPr lang="ko-KR" altLang="en-US" dirty="0" smtClean="0">
+                <a:latin typeface="함초롬돋움" panose="020B0604000101010101" pitchFamily="50" charset="-127"/>
+                <a:ea typeface="함초롬돋움" panose="020B0604000101010101" pitchFamily="50" charset="-127"/>
+                <a:cs typeface="함초롬돋움" panose="020B0604000101010101" pitchFamily="50" charset="-127"/>
+              </a:rPr>
+              <a:t>변경하는 </a:t>
+            </a:r>
+            <a:r>
+              <a:rPr lang="en-US" altLang="ko-KR" dirty="0" smtClean="0">
+                <a:latin typeface="함초롬돋움" panose="020B0604000101010101" pitchFamily="50" charset="-127"/>
+                <a:ea typeface="함초롬돋움" panose="020B0604000101010101" pitchFamily="50" charset="-127"/>
+                <a:cs typeface="함초롬돋움" panose="020B0604000101010101" pitchFamily="50" charset="-127"/>
+              </a:rPr>
+              <a:t>Property</a:t>
+            </a:r>
+            <a:r>
+              <a:rPr lang="ko-KR" altLang="en-US" dirty="0" smtClean="0">
+                <a:latin typeface="함초롬돋움" panose="020B0604000101010101" pitchFamily="50" charset="-127"/>
+                <a:ea typeface="함초롬돋움" panose="020B0604000101010101" pitchFamily="50" charset="-127"/>
+                <a:cs typeface="함초롬돋움" panose="020B0604000101010101" pitchFamily="50" charset="-127"/>
+              </a:rPr>
+              <a:t>들과 메서드를 제공</a:t>
+            </a:r>
+            <a:endParaRPr lang="en-US" altLang="ko-KR" dirty="0" smtClean="0">
+              <a:latin typeface="함초롬돋움" panose="020B0604000101010101" pitchFamily="50" charset="-127"/>
+              <a:ea typeface="함초롬돋움" panose="020B0604000101010101" pitchFamily="50" charset="-127"/>
+              <a:cs typeface="함초롬돋움" panose="020B0604000101010101" pitchFamily="50" charset="-127"/>
+            </a:endParaRPr>
+          </a:p>
+          <a:p>
+            <a:pPr eaLnBrk="0" fontAlgn="base" latinLnBrk="0" hangingPunct="0">
+              <a:lnSpc>
+                <a:spcPct val="100000"/>
+              </a:lnSpc>
+              <a:spcBef>
+                <a:spcPct val="0"/>
+              </a:spcBef>
+              <a:spcAft>
+                <a:spcPct val="0"/>
+              </a:spcAft>
+            </a:pPr>
+            <a:endParaRPr lang="en-US" altLang="ko-KR" dirty="0">
+              <a:latin typeface="함초롬돋움" panose="020B0604000101010101" pitchFamily="50" charset="-127"/>
+              <a:ea typeface="함초롬돋움" panose="020B0604000101010101" pitchFamily="50" charset="-127"/>
+              <a:cs typeface="함초롬돋움" panose="020B0604000101010101" pitchFamily="50" charset="-127"/>
+            </a:endParaRPr>
+          </a:p>
+          <a:p>
+            <a:pPr eaLnBrk="0" fontAlgn="base" latinLnBrk="0" hangingPunct="0">
+              <a:lnSpc>
+                <a:spcPct val="100000"/>
+              </a:lnSpc>
+              <a:spcBef>
+                <a:spcPct val="0"/>
+              </a:spcBef>
+              <a:spcAft>
+                <a:spcPct val="0"/>
+              </a:spcAft>
+            </a:pPr>
+            <a:r>
+              <a:rPr lang="ko-KR" altLang="en-US" dirty="0" smtClean="0">
+                <a:latin typeface="함초롬돋움" panose="020B0604000101010101" pitchFamily="50" charset="-127"/>
+                <a:ea typeface="함초롬돋움" panose="020B0604000101010101" pitchFamily="50" charset="-127"/>
+                <a:cs typeface="함초롬돋움" panose="020B0604000101010101" pitchFamily="50" charset="-127"/>
+              </a:rPr>
+              <a:t>컬렉션의 상태는 그대로 유지</a:t>
             </a:r>
             <a:endParaRPr lang="en-US" altLang="ko-KR" dirty="0" smtClean="0">
               <a:latin typeface="함초롬돋움" panose="020B0604000101010101" pitchFamily="50" charset="-127"/>
@@ -5661,22 +5792,6 @@
                 <a:ea typeface="함초롬돋움" panose="020B0604000101010101" pitchFamily="50" charset="-127"/>
                 <a:cs typeface="함초롬돋움" panose="020B0604000101010101" pitchFamily="50" charset="-127"/>
               </a:rPr>
-              <a:t>control</a:t>
-            </a:r>
-            <a:r>
-              <a:rPr lang="ko-KR" altLang="en-US" dirty="0" smtClean="0">
-                <a:latin typeface="함초롬돋움" panose="020B0604000101010101" pitchFamily="50" charset="-127"/>
-                <a:ea typeface="함초롬돋움" panose="020B0604000101010101" pitchFamily="50" charset="-127"/>
-                <a:cs typeface="함초롬돋움" panose="020B0604000101010101" pitchFamily="50" charset="-127"/>
-              </a:rPr>
-              <a:t>에 </a:t>
-            </a:r>
-            <a:r>
-              <a:rPr lang="en-US" altLang="ko-KR" dirty="0" smtClean="0">
-                <a:latin typeface="함초롬돋움" panose="020B0604000101010101" pitchFamily="50" charset="-127"/>
-                <a:ea typeface="함초롬돋움" panose="020B0604000101010101" pitchFamily="50" charset="-127"/>
-                <a:cs typeface="함초롬돋움" panose="020B0604000101010101" pitchFamily="50" charset="-127"/>
-              </a:rPr>
               <a:t>Region</a:t>
             </a:r>
             <a:r>
@@ -5828,365 +5943,6 @@
 </file>
 
 <file path=ppt/slides/slide18.xml><?xml version="1.0" encoding="utf-8"?>
-<p:sld xmlns:a="http://schemas.openxmlformats.org/drawingml/2006/main" xmlns:r="http://schemas.openxmlformats.org/officeDocument/2006/relationships" xmlns:p="http://schemas.openxmlformats.org/presentationml/2006/main">
-  <p:cSld>
-    <p:spTree>
-      <p:nvGrpSpPr>
-        <p:cNvPr id="1" name=""/>
-        <p:cNvGrpSpPr/>
-        <p:nvPr/>
-      </p:nvGrpSpPr>
-      <p:grpSpPr>
-        <a:xfrm>
-          <a:off x="0" y="0"/>
-          <a:ext cx="0" cy="0"/>
-          <a:chOff x="0" y="0"/>
-          <a:chExt cx="0" cy="0"/>
-        </a:xfrm>
-      </p:grpSpPr>
-      <p:sp>
-        <p:nvSpPr>
-          <p:cNvPr id="7" name="제목 1"/>
-          <p:cNvSpPr txBox="1">
-            <a:spLocks/>
-          </p:cNvSpPr>
-          <p:nvPr/>
-        </p:nvSpPr>
-        <p:spPr>
-          <a:xfrm>
-            <a:off x="838200" y="365125"/>
-            <a:ext cx="10515600" cy="1090189"/>
-          </a:xfrm>
-          <a:prstGeom prst="rect">
-            <a:avLst/>
-          </a:prstGeom>
-        </p:spPr>
-        <p:txBody>
-          <a:bodyPr vert="horz" lIns="91440" tIns="45720" rIns="91440" bIns="45720" rtlCol="0" anchor="ctr">
-            <a:normAutofit/>
-          </a:bodyPr>
-          <a:lstStyle>
-            <a:lvl1pPr algn="l" defTabSz="914400" rtl="0" eaLnBrk="1" latinLnBrk="1" hangingPunct="1">
-              <a:lnSpc>
-                <a:spcPct val="90000"/>
-              </a:lnSpc>
-              <a:spcBef>
-                <a:spcPct val="0"/>
-              </a:spcBef>
-              <a:buNone/>
-              <a:defRPr sz="4800" kern="1200">
-                <a:solidFill>
-                  <a:schemeClr val="accent4"/>
-                </a:solidFill>
-                <a:latin typeface="+mj-lt"/>
-                <a:ea typeface="+mj-ea"/>
-                <a:cs typeface="+mj-cs"/>
-              </a:defRPr>
-            </a:lvl1pPr>
-          </a:lstStyle>
-          <a:p>
-            <a:r>
-              <a:rPr lang="en-US" altLang="ko-KR" dirty="0" err="1" smtClean="0">
-                <a:latin typeface="함초롬돋움" panose="020B0604000101010101" pitchFamily="50" charset="-127"/>
-                <a:ea typeface="함초롬돋움" panose="020B0604000101010101" pitchFamily="50" charset="-127"/>
-                <a:cs typeface="함초롬돋움" panose="020B0604000101010101" pitchFamily="50" charset="-127"/>
-              </a:rPr>
-              <a:t>RegionManager</a:t>
-            </a:r>
-            <a:endParaRPr lang="ko-KR" altLang="en-US" dirty="0">
-              <a:latin typeface="함초롬돋움" panose="020B0604000101010101" pitchFamily="50" charset="-127"/>
-              <a:ea typeface="함초롬돋움" panose="020B0604000101010101" pitchFamily="50" charset="-127"/>
-              <a:cs typeface="함초롬돋움" panose="020B0604000101010101" pitchFamily="50" charset="-127"/>
-            </a:endParaRPr>
-          </a:p>
-        </p:txBody>
-      </p:sp>
-      <p:sp>
-        <p:nvSpPr>
-          <p:cNvPr id="10" name="내용 개체 틀 2"/>
-          <p:cNvSpPr>
-            <a:spLocks noGrp="1"/>
-          </p:cNvSpPr>
-          <p:nvPr>
-            <p:ph idx="1"/>
-          </p:nvPr>
-        </p:nvSpPr>
-        <p:spPr/>
-        <p:txBody>
-          <a:bodyPr>
-            <a:noAutofit/>
-          </a:bodyPr>
-          <a:lstStyle/>
-          <a:p>
-            <a:pPr eaLnBrk="0" fontAlgn="base" latinLnBrk="0" hangingPunct="0">
-              <a:lnSpc>
-                <a:spcPct val="100000"/>
-              </a:lnSpc>
-              <a:spcBef>
-                <a:spcPct val="0"/>
-              </a:spcBef>
-              <a:spcAft>
-                <a:spcPct val="0"/>
-              </a:spcAft>
-            </a:pPr>
-            <a:r>
-              <a:rPr lang="en-US" altLang="ko-KR" dirty="0" smtClean="0">
-                <a:latin typeface="함초롬돋움" panose="020B0604000101010101" pitchFamily="50" charset="-127"/>
-                <a:ea typeface="함초롬돋움" panose="020B0604000101010101" pitchFamily="50" charset="-127"/>
-                <a:cs typeface="함초롬돋움" panose="020B0604000101010101" pitchFamily="50" charset="-127"/>
-              </a:rPr>
-              <a:t>control</a:t>
-            </a:r>
-            <a:r>
-              <a:rPr lang="ko-KR" altLang="en-US" dirty="0" smtClean="0">
-                <a:latin typeface="함초롬돋움" panose="020B0604000101010101" pitchFamily="50" charset="-127"/>
-                <a:ea typeface="함초롬돋움" panose="020B0604000101010101" pitchFamily="50" charset="-127"/>
-                <a:cs typeface="함초롬돋움" panose="020B0604000101010101" pitchFamily="50" charset="-127"/>
-              </a:rPr>
-              <a:t>에 </a:t>
-            </a:r>
-            <a:r>
-              <a:rPr lang="en-US" altLang="ko-KR" dirty="0" smtClean="0">
-                <a:latin typeface="함초롬돋움" panose="020B0604000101010101" pitchFamily="50" charset="-127"/>
-                <a:ea typeface="함초롬돋움" panose="020B0604000101010101" pitchFamily="50" charset="-127"/>
-                <a:cs typeface="함초롬돋움" panose="020B0604000101010101" pitchFamily="50" charset="-127"/>
-              </a:rPr>
-              <a:t>Region</a:t>
-            </a:r>
-            <a:r>
-              <a:rPr lang="ko-KR" altLang="en-US" dirty="0" smtClean="0">
-                <a:latin typeface="함초롬돋움" panose="020B0604000101010101" pitchFamily="50" charset="-127"/>
-                <a:ea typeface="함초롬돋움" panose="020B0604000101010101" pitchFamily="50" charset="-127"/>
-                <a:cs typeface="함초롬돋움" panose="020B0604000101010101" pitchFamily="50" charset="-127"/>
-              </a:rPr>
-              <a:t>들을 만들고 관리</a:t>
-            </a:r>
-            <a:endParaRPr lang="en-US" altLang="ko-KR" dirty="0" smtClean="0">
-              <a:latin typeface="함초롬돋움" panose="020B0604000101010101" pitchFamily="50" charset="-127"/>
-              <a:ea typeface="함초롬돋움" panose="020B0604000101010101" pitchFamily="50" charset="-127"/>
-              <a:cs typeface="함초롬돋움" panose="020B0604000101010101" pitchFamily="50" charset="-127"/>
-            </a:endParaRPr>
-          </a:p>
-          <a:p>
-            <a:pPr eaLnBrk="0" fontAlgn="base" latinLnBrk="0" hangingPunct="0">
-              <a:lnSpc>
-                <a:spcPct val="100000"/>
-              </a:lnSpc>
-              <a:spcBef>
-                <a:spcPct val="0"/>
-              </a:spcBef>
-              <a:spcAft>
-                <a:spcPct val="0"/>
-              </a:spcAft>
-            </a:pPr>
-            <a:endParaRPr lang="en-US" altLang="ko-KR" dirty="0">
-              <a:latin typeface="함초롬돋움" panose="020B0604000101010101" pitchFamily="50" charset="-127"/>
-              <a:ea typeface="함초롬돋움" panose="020B0604000101010101" pitchFamily="50" charset="-127"/>
-              <a:cs typeface="함초롬돋움" panose="020B0604000101010101" pitchFamily="50" charset="-127"/>
-            </a:endParaRPr>
-          </a:p>
-          <a:p>
-            <a:pPr eaLnBrk="0" fontAlgn="base" latinLnBrk="0" hangingPunct="0">
-              <a:lnSpc>
-                <a:spcPct val="100000"/>
-              </a:lnSpc>
-              <a:spcBef>
-                <a:spcPct val="0"/>
-              </a:spcBef>
-              <a:spcAft>
-                <a:spcPct val="0"/>
-              </a:spcAft>
-            </a:pPr>
-            <a:r>
-              <a:rPr lang="ko-KR" altLang="en-US" dirty="0" smtClean="0">
-                <a:latin typeface="함초롬돋움" panose="020B0604000101010101" pitchFamily="50" charset="-127"/>
-                <a:ea typeface="함초롬돋움" panose="020B0604000101010101" pitchFamily="50" charset="-127"/>
-                <a:cs typeface="함초롬돋움" panose="020B0604000101010101" pitchFamily="50" charset="-127"/>
-              </a:rPr>
-              <a:t>코드나 </a:t>
-            </a:r>
-            <a:r>
-              <a:rPr lang="en-US" altLang="ko-KR" dirty="0" smtClean="0">
-                <a:latin typeface="함초롬돋움" panose="020B0604000101010101" pitchFamily="50" charset="-127"/>
-                <a:ea typeface="함초롬돋움" panose="020B0604000101010101" pitchFamily="50" charset="-127"/>
-                <a:cs typeface="함초롬돋움" panose="020B0604000101010101" pitchFamily="50" charset="-127"/>
-              </a:rPr>
-              <a:t>XAML</a:t>
-            </a:r>
-            <a:r>
-              <a:rPr lang="ko-KR" altLang="en-US" dirty="0" smtClean="0">
-                <a:latin typeface="함초롬돋움" panose="020B0604000101010101" pitchFamily="50" charset="-127"/>
-                <a:ea typeface="함초롬돋움" panose="020B0604000101010101" pitchFamily="50" charset="-127"/>
-                <a:cs typeface="함초롬돋움" panose="020B0604000101010101" pitchFamily="50" charset="-127"/>
-              </a:rPr>
-              <a:t>에서 </a:t>
-            </a:r>
-            <a:r>
-              <a:rPr lang="en-US" altLang="ko-KR" dirty="0" smtClean="0">
-                <a:latin typeface="함초롬돋움" panose="020B0604000101010101" pitchFamily="50" charset="-127"/>
-                <a:ea typeface="함초롬돋움" panose="020B0604000101010101" pitchFamily="50" charset="-127"/>
-                <a:cs typeface="함초롬돋움" panose="020B0604000101010101" pitchFamily="50" charset="-127"/>
-              </a:rPr>
-              <a:t>region</a:t>
-            </a:r>
-            <a:r>
-              <a:rPr lang="ko-KR" altLang="en-US" dirty="0" smtClean="0">
-                <a:latin typeface="함초롬돋움" panose="020B0604000101010101" pitchFamily="50" charset="-127"/>
-                <a:ea typeface="함초롬돋움" panose="020B0604000101010101" pitchFamily="50" charset="-127"/>
-                <a:cs typeface="함초롬돋움" panose="020B0604000101010101" pitchFamily="50" charset="-127"/>
-              </a:rPr>
-              <a:t>을</a:t>
-            </a:r>
-            <a:r>
-              <a:rPr lang="en-US" altLang="ko-KR" dirty="0" smtClean="0">
-                <a:latin typeface="함초롬돋움" panose="020B0604000101010101" pitchFamily="50" charset="-127"/>
-                <a:ea typeface="함초롬돋움" panose="020B0604000101010101" pitchFamily="50" charset="-127"/>
-                <a:cs typeface="함초롬돋움" panose="020B0604000101010101" pitchFamily="50" charset="-127"/>
-              </a:rPr>
-              <a:t> </a:t>
-            </a:r>
-            <a:r>
-              <a:rPr lang="ko-KR" altLang="en-US" dirty="0" smtClean="0">
-                <a:latin typeface="함초롬돋움" panose="020B0604000101010101" pitchFamily="50" charset="-127"/>
-                <a:ea typeface="함초롬돋움" panose="020B0604000101010101" pitchFamily="50" charset="-127"/>
-                <a:cs typeface="함초롬돋움" panose="020B0604000101010101" pitchFamily="50" charset="-127"/>
-              </a:rPr>
-              <a:t>생성</a:t>
-            </a:r>
-            <a:endParaRPr lang="en-US" altLang="ko-KR" dirty="0" smtClean="0">
-              <a:latin typeface="함초롬돋움" panose="020B0604000101010101" pitchFamily="50" charset="-127"/>
-              <a:ea typeface="함초롬돋움" panose="020B0604000101010101" pitchFamily="50" charset="-127"/>
-              <a:cs typeface="함초롬돋움" panose="020B0604000101010101" pitchFamily="50" charset="-127"/>
-            </a:endParaRPr>
-          </a:p>
-          <a:p>
-            <a:pPr marL="0" indent="0" eaLnBrk="0" fontAlgn="base" latinLnBrk="0" hangingPunct="0">
-              <a:lnSpc>
-                <a:spcPct val="100000"/>
-              </a:lnSpc>
-              <a:spcBef>
-                <a:spcPct val="0"/>
-              </a:spcBef>
-              <a:spcAft>
-                <a:spcPct val="0"/>
-              </a:spcAft>
-              <a:buNone/>
-            </a:pPr>
-            <a:endParaRPr lang="en-US" altLang="ko-KR" dirty="0">
-              <a:latin typeface="함초롬돋움" panose="020B0604000101010101" pitchFamily="50" charset="-127"/>
-              <a:ea typeface="함초롬돋움" panose="020B0604000101010101" pitchFamily="50" charset="-127"/>
-              <a:cs typeface="함초롬돋움" panose="020B0604000101010101" pitchFamily="50" charset="-127"/>
-            </a:endParaRPr>
-          </a:p>
-          <a:p>
-            <a:pPr eaLnBrk="0" fontAlgn="base" latinLnBrk="0" hangingPunct="0">
-              <a:lnSpc>
-                <a:spcPct val="100000"/>
-              </a:lnSpc>
-              <a:spcBef>
-                <a:spcPct val="0"/>
-              </a:spcBef>
-              <a:spcAft>
-                <a:spcPct val="0"/>
-              </a:spcAft>
-            </a:pPr>
-            <a:r>
-              <a:rPr lang="en-US" altLang="ko-KR" dirty="0" smtClean="0">
-                <a:latin typeface="함초롬돋움" panose="020B0604000101010101" pitchFamily="50" charset="-127"/>
-                <a:ea typeface="함초롬돋움" panose="020B0604000101010101" pitchFamily="50" charset="-127"/>
-                <a:cs typeface="함초롬돋움" panose="020B0604000101010101" pitchFamily="50" charset="-127"/>
-              </a:rPr>
-              <a:t>Region</a:t>
-            </a:r>
-            <a:r>
-              <a:rPr lang="ko-KR" altLang="en-US" dirty="0" smtClean="0">
-                <a:latin typeface="함초롬돋움" panose="020B0604000101010101" pitchFamily="50" charset="-127"/>
-                <a:ea typeface="함초롬돋움" panose="020B0604000101010101" pitchFamily="50" charset="-127"/>
-                <a:cs typeface="함초롬돋움" panose="020B0604000101010101" pitchFamily="50" charset="-127"/>
-              </a:rPr>
-              <a:t>을 컨트롤과 연결하는 </a:t>
-            </a:r>
-            <a:r>
-              <a:rPr lang="en-US" altLang="ko-KR" dirty="0" smtClean="0">
-                <a:latin typeface="함초롬돋움" panose="020B0604000101010101" pitchFamily="50" charset="-127"/>
-                <a:ea typeface="함초롬돋움" panose="020B0604000101010101" pitchFamily="50" charset="-127"/>
-                <a:cs typeface="함초롬돋움" panose="020B0604000101010101" pitchFamily="50" charset="-127"/>
-              </a:rPr>
-              <a:t>control-specific adapter</a:t>
-            </a:r>
-            <a:r>
-              <a:rPr lang="ko-KR" altLang="en-US" dirty="0" smtClean="0">
-                <a:latin typeface="함초롬돋움" panose="020B0604000101010101" pitchFamily="50" charset="-127"/>
-                <a:ea typeface="함초롬돋움" panose="020B0604000101010101" pitchFamily="50" charset="-127"/>
-                <a:cs typeface="함초롬돋움" panose="020B0604000101010101" pitchFamily="50" charset="-127"/>
-              </a:rPr>
-              <a:t>를 사용</a:t>
-            </a:r>
-            <a:endParaRPr lang="en-US" altLang="ko-KR" dirty="0" smtClean="0">
-              <a:latin typeface="함초롬돋움" panose="020B0604000101010101" pitchFamily="50" charset="-127"/>
-              <a:ea typeface="함초롬돋움" panose="020B0604000101010101" pitchFamily="50" charset="-127"/>
-              <a:cs typeface="함초롬돋움" panose="020B0604000101010101" pitchFamily="50" charset="-127"/>
-            </a:endParaRPr>
-          </a:p>
-          <a:p>
-            <a:pPr eaLnBrk="0" fontAlgn="base" latinLnBrk="0" hangingPunct="0">
-              <a:lnSpc>
-                <a:spcPct val="100000"/>
-              </a:lnSpc>
-              <a:spcBef>
-                <a:spcPct val="0"/>
-              </a:spcBef>
-              <a:spcAft>
-                <a:spcPct val="0"/>
-              </a:spcAft>
-            </a:pPr>
-            <a:endParaRPr lang="en-US" altLang="ko-KR" dirty="0">
-              <a:latin typeface="함초롬돋움" panose="020B0604000101010101" pitchFamily="50" charset="-127"/>
-              <a:ea typeface="함초롬돋움" panose="020B0604000101010101" pitchFamily="50" charset="-127"/>
-              <a:cs typeface="함초롬돋움" panose="020B0604000101010101" pitchFamily="50" charset="-127"/>
-            </a:endParaRPr>
-          </a:p>
-          <a:p>
-            <a:pPr eaLnBrk="0" fontAlgn="base" latinLnBrk="0" hangingPunct="0">
-              <a:lnSpc>
-                <a:spcPct val="100000"/>
-              </a:lnSpc>
-              <a:spcBef>
-                <a:spcPct val="0"/>
-              </a:spcBef>
-              <a:spcAft>
-                <a:spcPct val="0"/>
-              </a:spcAft>
-            </a:pPr>
-            <a:endParaRPr lang="en-US" altLang="ko-KR" dirty="0" smtClean="0">
-              <a:latin typeface="함초롬돋움" panose="020B0604000101010101" pitchFamily="50" charset="-127"/>
-              <a:ea typeface="함초롬돋움" panose="020B0604000101010101" pitchFamily="50" charset="-127"/>
-              <a:cs typeface="함초롬돋움" panose="020B0604000101010101" pitchFamily="50" charset="-127"/>
-            </a:endParaRPr>
-          </a:p>
-        </p:txBody>
-      </p:sp>
-    </p:spTree>
-    <p:extLst>
-      <p:ext uri="{BB962C8B-B14F-4D97-AF65-F5344CB8AC3E}">
-        <p14:creationId xmlns:p14="http://schemas.microsoft.com/office/powerpoint/2010/main" val="3609085844"/>
-      </p:ext>
-    </p:extLst>
-  </p:cSld>
-  <p:clrMapOvr>
-    <a:masterClrMapping/>
-  </p:clrMapOvr>
-  <p:timing>
-    <p:tnLst>
-      <p:par>
-        <p:cTn id="1" dur="indefinite" restart="never" nodeType="tmRoot"/>
-      </p:par>
-    </p:tnLst>
-  </p:timing>
-</p:sld>
-</file>
-
-<file path=ppt/slides/slide19.xml><?xml version="1.0" encoding="utf-8"?>
 <p:sld xmlns:a="http://schemas.openxmlformats.org/drawingml/2006/main" xmlns:r="http://schemas.openxmlformats.org/officeDocument/2006/relationships" xmlns:p="http://schemas.openxmlformats.org/presentationml/2006/main">
   <p:cSld>
     <p:spTree>
@@ -6725,6 +6481,461 @@
 </p:sld>
 </file>
 
+<file path=ppt/slides/slide19.xml><?xml version="1.0" encoding="utf-8"?>
+<p:sld xmlns:a="http://schemas.openxmlformats.org/drawingml/2006/main" xmlns:r="http://schemas.openxmlformats.org/officeDocument/2006/relationships" xmlns:p="http://schemas.openxmlformats.org/presentationml/2006/main">
+  <p:cSld>
+    <p:spTree>
+      <p:nvGrpSpPr>
+        <p:cNvPr id="1" name=""/>
+        <p:cNvGrpSpPr/>
+        <p:nvPr/>
+      </p:nvGrpSpPr>
+      <p:grpSpPr>
+        <a:xfrm>
+          <a:off x="0" y="0"/>
+          <a:ext cx="0" cy="0"/>
+          <a:chOff x="0" y="0"/>
+          <a:chExt cx="0" cy="0"/>
+        </a:xfrm>
+      </p:grpSpPr>
+      <p:sp>
+        <p:nvSpPr>
+          <p:cNvPr id="7" name="제목 1"/>
+          <p:cNvSpPr txBox="1">
+            <a:spLocks/>
+          </p:cNvSpPr>
+          <p:nvPr/>
+        </p:nvSpPr>
+        <p:spPr>
+          <a:xfrm>
+            <a:off x="838200" y="365125"/>
+            <a:ext cx="10515600" cy="1090189"/>
+          </a:xfrm>
+          <a:prstGeom prst="rect">
+            <a:avLst/>
+          </a:prstGeom>
+        </p:spPr>
+        <p:txBody>
+          <a:bodyPr vert="horz" lIns="91440" tIns="45720" rIns="91440" bIns="45720" rtlCol="0" anchor="ctr">
+            <a:normAutofit/>
+          </a:bodyPr>
+          <a:lstStyle>
+            <a:lvl1pPr algn="l" defTabSz="914400" rtl="0" eaLnBrk="1" latinLnBrk="1" hangingPunct="1">
+              <a:lnSpc>
+                <a:spcPct val="90000"/>
+              </a:lnSpc>
+              <a:spcBef>
+                <a:spcPct val="0"/>
+              </a:spcBef>
+              <a:buNone/>
+              <a:defRPr sz="4800" kern="1200">
+                <a:solidFill>
+                  <a:schemeClr val="accent4"/>
+                </a:solidFill>
+                <a:latin typeface="+mj-lt"/>
+                <a:ea typeface="+mj-ea"/>
+                <a:cs typeface="+mj-cs"/>
+              </a:defRPr>
+            </a:lvl1pPr>
+          </a:lstStyle>
+          <a:p>
+            <a:r>
+              <a:rPr lang="en-US" altLang="ko-KR" dirty="0" err="1" smtClean="0">
+                <a:latin typeface="함초롬돋움" panose="020B0604000101010101" pitchFamily="50" charset="-127"/>
+                <a:ea typeface="함초롬돋움" panose="020B0604000101010101" pitchFamily="50" charset="-127"/>
+                <a:cs typeface="함초롬돋움" panose="020B0604000101010101" pitchFamily="50" charset="-127"/>
+              </a:rPr>
+              <a:t>RegionAdapter</a:t>
+            </a:r>
+            <a:endParaRPr lang="ko-KR" altLang="en-US" dirty="0">
+              <a:latin typeface="함초롬돋움" panose="020B0604000101010101" pitchFamily="50" charset="-127"/>
+              <a:ea typeface="함초롬돋움" panose="020B0604000101010101" pitchFamily="50" charset="-127"/>
+              <a:cs typeface="함초롬돋움" panose="020B0604000101010101" pitchFamily="50" charset="-127"/>
+            </a:endParaRPr>
+          </a:p>
+        </p:txBody>
+      </p:sp>
+      <p:sp>
+        <p:nvSpPr>
+          <p:cNvPr id="10" name="내용 개체 틀 2"/>
+          <p:cNvSpPr>
+            <a:spLocks noGrp="1"/>
+          </p:cNvSpPr>
+          <p:nvPr>
+            <p:ph idx="1"/>
+          </p:nvPr>
+        </p:nvSpPr>
+        <p:spPr/>
+        <p:txBody>
+          <a:bodyPr>
+            <a:noAutofit/>
+          </a:bodyPr>
+          <a:lstStyle/>
+          <a:p>
+            <a:pPr eaLnBrk="0" fontAlgn="base" latinLnBrk="0" hangingPunct="0">
+              <a:lnSpc>
+                <a:spcPct val="100000"/>
+              </a:lnSpc>
+              <a:spcBef>
+                <a:spcPct val="0"/>
+              </a:spcBef>
+              <a:spcAft>
+                <a:spcPct val="0"/>
+              </a:spcAft>
+            </a:pPr>
+            <a:r>
+              <a:rPr lang="ko-KR" altLang="en-US" dirty="0" smtClean="0">
+                <a:latin typeface="함초롬돋움" panose="020B0604000101010101" pitchFamily="50" charset="-127"/>
+                <a:ea typeface="함초롬돋움" panose="020B0604000101010101" pitchFamily="50" charset="-127"/>
+                <a:cs typeface="함초롬돋움" panose="020B0604000101010101" pitchFamily="50" charset="-127"/>
+              </a:rPr>
+              <a:t>지원 하지 않는 컨트롤들은 </a:t>
+            </a:r>
+            <a:r>
+              <a:rPr lang="en-US" altLang="ko-KR" dirty="0" err="1" smtClean="0">
+                <a:latin typeface="함초롬돋움" panose="020B0604000101010101" pitchFamily="50" charset="-127"/>
+                <a:ea typeface="함초롬돋움" panose="020B0604000101010101" pitchFamily="50" charset="-127"/>
+                <a:cs typeface="함초롬돋움" panose="020B0604000101010101" pitchFamily="50" charset="-127"/>
+              </a:rPr>
+              <a:t>RegionAdapterBase</a:t>
+            </a:r>
+            <a:r>
+              <a:rPr lang="ko-KR" altLang="en-US" dirty="0" smtClean="0">
+                <a:latin typeface="함초롬돋움" panose="020B0604000101010101" pitchFamily="50" charset="-127"/>
+                <a:ea typeface="함초롬돋움" panose="020B0604000101010101" pitchFamily="50" charset="-127"/>
+                <a:cs typeface="함초롬돋움" panose="020B0604000101010101" pitchFamily="50" charset="-127"/>
+              </a:rPr>
+              <a:t>를 상속받아 직접 구현</a:t>
+            </a:r>
+            <a:endParaRPr lang="en-US" altLang="ko-KR" dirty="0" smtClean="0">
+              <a:latin typeface="함초롬돋움" panose="020B0604000101010101" pitchFamily="50" charset="-127"/>
+              <a:ea typeface="함초롬돋움" panose="020B0604000101010101" pitchFamily="50" charset="-127"/>
+              <a:cs typeface="함초롬돋움" panose="020B0604000101010101" pitchFamily="50" charset="-127"/>
+            </a:endParaRPr>
+          </a:p>
+          <a:p>
+            <a:pPr eaLnBrk="0" fontAlgn="base" latinLnBrk="0" hangingPunct="0">
+              <a:lnSpc>
+                <a:spcPct val="100000"/>
+              </a:lnSpc>
+              <a:spcBef>
+                <a:spcPct val="0"/>
+              </a:spcBef>
+              <a:spcAft>
+                <a:spcPct val="0"/>
+              </a:spcAft>
+            </a:pPr>
+            <a:endParaRPr lang="en-US" altLang="ko-KR" dirty="0" smtClean="0">
+              <a:latin typeface="함초롬돋움" panose="020B0604000101010101" pitchFamily="50" charset="-127"/>
+              <a:ea typeface="함초롬돋움" panose="020B0604000101010101" pitchFamily="50" charset="-127"/>
+              <a:cs typeface="함초롬돋움" panose="020B0604000101010101" pitchFamily="50" charset="-127"/>
+            </a:endParaRPr>
+          </a:p>
+          <a:p>
+            <a:pPr eaLnBrk="0" fontAlgn="base" latinLnBrk="0" hangingPunct="0">
+              <a:lnSpc>
+                <a:spcPct val="100000"/>
+              </a:lnSpc>
+              <a:spcBef>
+                <a:spcPct val="0"/>
+              </a:spcBef>
+              <a:spcAft>
+                <a:spcPct val="0"/>
+              </a:spcAft>
+            </a:pPr>
+            <a:r>
+              <a:rPr lang="ko-KR" altLang="en-US" dirty="0" smtClean="0">
+                <a:latin typeface="함초롬돋움" panose="020B0604000101010101" pitchFamily="50" charset="-127"/>
+                <a:ea typeface="함초롬돋움" panose="020B0604000101010101" pitchFamily="50" charset="-127"/>
+                <a:cs typeface="함초롬돋움" panose="020B0604000101010101" pitchFamily="50" charset="-127"/>
+              </a:rPr>
+              <a:t>다음 </a:t>
+            </a:r>
+            <a:r>
+              <a:rPr lang="ko-KR" altLang="en-US" dirty="0" err="1" smtClean="0">
+                <a:latin typeface="함초롬돋움" panose="020B0604000101010101" pitchFamily="50" charset="-127"/>
+                <a:ea typeface="함초롬돋움" panose="020B0604000101010101" pitchFamily="50" charset="-127"/>
+                <a:cs typeface="함초롬돋움" panose="020B0604000101010101" pitchFamily="50" charset="-127"/>
+              </a:rPr>
+              <a:t>메소드를</a:t>
+            </a:r>
+            <a:r>
+              <a:rPr lang="ko-KR" altLang="en-US" dirty="0" smtClean="0">
+                <a:latin typeface="함초롬돋움" panose="020B0604000101010101" pitchFamily="50" charset="-127"/>
+                <a:ea typeface="함초롬돋움" panose="020B0604000101010101" pitchFamily="50" charset="-127"/>
+                <a:cs typeface="함초롬돋움" panose="020B0604000101010101" pitchFamily="50" charset="-127"/>
+              </a:rPr>
+              <a:t> 재정의 함</a:t>
+            </a:r>
+            <a:endParaRPr lang="en-US" altLang="ko-KR" dirty="0" smtClean="0">
+              <a:latin typeface="함초롬돋움" panose="020B0604000101010101" pitchFamily="50" charset="-127"/>
+              <a:ea typeface="함초롬돋움" panose="020B0604000101010101" pitchFamily="50" charset="-127"/>
+              <a:cs typeface="함초롬돋움" panose="020B0604000101010101" pitchFamily="50" charset="-127"/>
+            </a:endParaRPr>
+          </a:p>
+          <a:p>
+            <a:pPr lvl="1" eaLnBrk="0" fontAlgn="base" latinLnBrk="0" hangingPunct="0">
+              <a:lnSpc>
+                <a:spcPct val="100000"/>
+              </a:lnSpc>
+              <a:spcBef>
+                <a:spcPct val="0"/>
+              </a:spcBef>
+              <a:spcAft>
+                <a:spcPct val="0"/>
+              </a:spcAft>
+            </a:pPr>
+            <a:r>
+              <a:rPr lang="en-US" altLang="ko-KR" dirty="0" err="1" smtClean="0">
+                <a:latin typeface="함초롬돋움" panose="020B0604000101010101" pitchFamily="50" charset="-127"/>
+                <a:ea typeface="함초롬돋움" panose="020B0604000101010101" pitchFamily="50" charset="-127"/>
+                <a:cs typeface="함초롬돋움" panose="020B0604000101010101" pitchFamily="50" charset="-127"/>
+              </a:rPr>
+              <a:t>CreateRegion</a:t>
+            </a:r>
+            <a:r>
+              <a:rPr lang="en-US" altLang="ko-KR" dirty="0" smtClean="0">
+                <a:latin typeface="함초롬돋움" panose="020B0604000101010101" pitchFamily="50" charset="-127"/>
+                <a:ea typeface="함초롬돋움" panose="020B0604000101010101" pitchFamily="50" charset="-127"/>
+                <a:cs typeface="함초롬돋움" panose="020B0604000101010101" pitchFamily="50" charset="-127"/>
+              </a:rPr>
+              <a:t> : </a:t>
+            </a:r>
+            <a:r>
+              <a:rPr lang="ko-KR" altLang="en-US" dirty="0">
+                <a:latin typeface="함초롬돋움" panose="020B0604000101010101" pitchFamily="50" charset="-127"/>
+                <a:ea typeface="함초롬돋움" panose="020B0604000101010101" pitchFamily="50" charset="-127"/>
+                <a:cs typeface="함초롬돋움" panose="020B0604000101010101" pitchFamily="50" charset="-127"/>
+              </a:rPr>
+              <a:t>연결되는 컨트롤과</a:t>
+            </a:r>
+            <a:r>
+              <a:rPr lang="en-US" altLang="ko-KR" dirty="0">
+                <a:latin typeface="함초롬돋움" panose="020B0604000101010101" pitchFamily="50" charset="-127"/>
+                <a:ea typeface="함초롬돋움" panose="020B0604000101010101" pitchFamily="50" charset="-127"/>
+                <a:cs typeface="함초롬돋움" panose="020B0604000101010101" pitchFamily="50" charset="-127"/>
+              </a:rPr>
+              <a:t> </a:t>
+            </a:r>
+            <a:r>
+              <a:rPr lang="ko-KR" altLang="en-US" dirty="0">
+                <a:latin typeface="함초롬돋움" panose="020B0604000101010101" pitchFamily="50" charset="-127"/>
+                <a:ea typeface="함초롬돋움" panose="020B0604000101010101" pitchFamily="50" charset="-127"/>
+                <a:cs typeface="함초롬돋움" panose="020B0604000101010101" pitchFamily="50" charset="-127"/>
+              </a:rPr>
+              <a:t>관련된 </a:t>
+            </a:r>
+            <a:r>
+              <a:rPr lang="en-US" altLang="ko-KR" dirty="0" smtClean="0">
+                <a:latin typeface="함초롬돋움" panose="020B0604000101010101" pitchFamily="50" charset="-127"/>
+                <a:ea typeface="함초롬돋움" panose="020B0604000101010101" pitchFamily="50" charset="-127"/>
+                <a:cs typeface="함초롬돋움" panose="020B0604000101010101" pitchFamily="50" charset="-127"/>
+              </a:rPr>
+              <a:t>Region</a:t>
+            </a:r>
+            <a:r>
+              <a:rPr lang="ko-KR" altLang="en-US" dirty="0" smtClean="0">
+                <a:latin typeface="함초롬돋움" panose="020B0604000101010101" pitchFamily="50" charset="-127"/>
+                <a:ea typeface="함초롬돋움" panose="020B0604000101010101" pitchFamily="50" charset="-127"/>
+                <a:cs typeface="함초롬돋움" panose="020B0604000101010101" pitchFamily="50" charset="-127"/>
+              </a:rPr>
+              <a:t> 생성하여 반환</a:t>
+            </a:r>
+            <a:endParaRPr lang="en-US" altLang="ko-KR" dirty="0" smtClean="0">
+              <a:latin typeface="함초롬돋움" panose="020B0604000101010101" pitchFamily="50" charset="-127"/>
+              <a:ea typeface="함초롬돋움" panose="020B0604000101010101" pitchFamily="50" charset="-127"/>
+              <a:cs typeface="함초롬돋움" panose="020B0604000101010101" pitchFamily="50" charset="-127"/>
+            </a:endParaRPr>
+          </a:p>
+          <a:p>
+            <a:pPr lvl="1" eaLnBrk="0" fontAlgn="base" latinLnBrk="0" hangingPunct="0">
+              <a:lnSpc>
+                <a:spcPct val="100000"/>
+              </a:lnSpc>
+              <a:spcBef>
+                <a:spcPct val="0"/>
+              </a:spcBef>
+              <a:spcAft>
+                <a:spcPct val="0"/>
+              </a:spcAft>
+            </a:pPr>
+            <a:r>
+              <a:rPr lang="en-US" altLang="ko-KR" dirty="0" smtClean="0">
+                <a:latin typeface="함초롬돋움" panose="020B0604000101010101" pitchFamily="50" charset="-127"/>
+                <a:ea typeface="함초롬돋움" panose="020B0604000101010101" pitchFamily="50" charset="-127"/>
+                <a:cs typeface="함초롬돋움" panose="020B0604000101010101" pitchFamily="50" charset="-127"/>
+              </a:rPr>
+              <a:t>Adapt : </a:t>
+            </a:r>
+            <a:r>
+              <a:rPr lang="ko-KR" altLang="en-US" dirty="0" smtClean="0">
+                <a:latin typeface="함초롬돋움" panose="020B0604000101010101" pitchFamily="50" charset="-127"/>
+                <a:ea typeface="함초롬돋움" panose="020B0604000101010101" pitchFamily="50" charset="-127"/>
+                <a:cs typeface="함초롬돋움" panose="020B0604000101010101" pitchFamily="50" charset="-127"/>
+              </a:rPr>
+              <a:t>생성한 </a:t>
+            </a:r>
+            <a:r>
+              <a:rPr lang="en-US" altLang="ko-KR" dirty="0" smtClean="0">
+                <a:latin typeface="함초롬돋움" panose="020B0604000101010101" pitchFamily="50" charset="-127"/>
+                <a:ea typeface="함초롬돋움" panose="020B0604000101010101" pitchFamily="50" charset="-127"/>
+                <a:cs typeface="함초롬돋움" panose="020B0604000101010101" pitchFamily="50" charset="-127"/>
+              </a:rPr>
+              <a:t>Region</a:t>
+            </a:r>
+            <a:r>
+              <a:rPr lang="ko-KR" altLang="en-US" dirty="0" smtClean="0">
+                <a:latin typeface="함초롬돋움" panose="020B0604000101010101" pitchFamily="50" charset="-127"/>
+                <a:ea typeface="함초롬돋움" panose="020B0604000101010101" pitchFamily="50" charset="-127"/>
+                <a:cs typeface="함초롬돋움" panose="020B0604000101010101" pitchFamily="50" charset="-127"/>
+              </a:rPr>
+              <a:t>을 컨트롤에 연결</a:t>
+            </a:r>
+            <a:endParaRPr lang="en-US" altLang="ko-KR" dirty="0" smtClean="0">
+              <a:latin typeface="함초롬돋움" panose="020B0604000101010101" pitchFamily="50" charset="-127"/>
+              <a:ea typeface="함초롬돋움" panose="020B0604000101010101" pitchFamily="50" charset="-127"/>
+              <a:cs typeface="함초롬돋움" panose="020B0604000101010101" pitchFamily="50" charset="-127"/>
+            </a:endParaRPr>
+          </a:p>
+          <a:p>
+            <a:pPr marL="457200" lvl="1" indent="0" eaLnBrk="0" fontAlgn="base" latinLnBrk="0" hangingPunct="0">
+              <a:lnSpc>
+                <a:spcPct val="100000"/>
+              </a:lnSpc>
+              <a:spcBef>
+                <a:spcPct val="0"/>
+              </a:spcBef>
+              <a:spcAft>
+                <a:spcPct val="0"/>
+              </a:spcAft>
+              <a:buNone/>
+            </a:pPr>
+            <a:endParaRPr lang="en-US" altLang="ko-KR" dirty="0" smtClean="0">
+              <a:latin typeface="함초롬돋움" panose="020B0604000101010101" pitchFamily="50" charset="-127"/>
+              <a:ea typeface="함초롬돋움" panose="020B0604000101010101" pitchFamily="50" charset="-127"/>
+              <a:cs typeface="함초롬돋움" panose="020B0604000101010101" pitchFamily="50" charset="-127"/>
+            </a:endParaRPr>
+          </a:p>
+          <a:p>
+            <a:pPr eaLnBrk="0" fontAlgn="base" latinLnBrk="0" hangingPunct="0">
+              <a:lnSpc>
+                <a:spcPct val="100000"/>
+              </a:lnSpc>
+              <a:spcBef>
+                <a:spcPct val="0"/>
+              </a:spcBef>
+              <a:spcAft>
+                <a:spcPct val="0"/>
+              </a:spcAft>
+            </a:pPr>
+            <a:r>
+              <a:rPr lang="en-US" altLang="ko-KR" dirty="0" err="1" smtClean="0">
+                <a:latin typeface="함초롬돋움" panose="020B0604000101010101" pitchFamily="50" charset="-127"/>
+                <a:ea typeface="함초롬돋움" panose="020B0604000101010101" pitchFamily="50" charset="-127"/>
+                <a:cs typeface="함초롬돋움" panose="020B0604000101010101" pitchFamily="50" charset="-127"/>
+              </a:rPr>
+              <a:t>Bootstrapper</a:t>
+            </a:r>
+            <a:r>
+              <a:rPr lang="ko-KR" altLang="en-US" dirty="0" smtClean="0">
+                <a:latin typeface="함초롬돋움" panose="020B0604000101010101" pitchFamily="50" charset="-127"/>
+                <a:ea typeface="함초롬돋움" panose="020B0604000101010101" pitchFamily="50" charset="-127"/>
+                <a:cs typeface="함초롬돋움" panose="020B0604000101010101" pitchFamily="50" charset="-127"/>
+              </a:rPr>
+              <a:t>에 </a:t>
+            </a:r>
+            <a:r>
+              <a:rPr lang="en-US" altLang="ko-KR" dirty="0" err="1" smtClean="0">
+                <a:latin typeface="함초롬돋움" panose="020B0604000101010101" pitchFamily="50" charset="-127"/>
+                <a:ea typeface="함초롬돋움" panose="020B0604000101010101" pitchFamily="50" charset="-127"/>
+                <a:cs typeface="함초롬돋움" panose="020B0604000101010101" pitchFamily="50" charset="-127"/>
+              </a:rPr>
+              <a:t>ConfigurationRegionAdapterMapping</a:t>
+            </a:r>
+            <a:r>
+              <a:rPr lang="en-US" altLang="ko-KR" dirty="0" smtClean="0">
+                <a:latin typeface="함초롬돋움" panose="020B0604000101010101" pitchFamily="50" charset="-127"/>
+                <a:ea typeface="함초롬돋움" panose="020B0604000101010101" pitchFamily="50" charset="-127"/>
+                <a:cs typeface="함초롬돋움" panose="020B0604000101010101" pitchFamily="50" charset="-127"/>
+              </a:rPr>
+              <a:t> </a:t>
+            </a:r>
+            <a:r>
+              <a:rPr lang="ko-KR" altLang="en-US" dirty="0" err="1" smtClean="0">
+                <a:latin typeface="함초롬돋움" panose="020B0604000101010101" pitchFamily="50" charset="-127"/>
+                <a:ea typeface="함초롬돋움" panose="020B0604000101010101" pitchFamily="50" charset="-127"/>
+                <a:cs typeface="함초롬돋움" panose="020B0604000101010101" pitchFamily="50" charset="-127"/>
+              </a:rPr>
+              <a:t>메소드를</a:t>
+            </a:r>
+            <a:r>
+              <a:rPr lang="ko-KR" altLang="en-US" dirty="0" smtClean="0">
+                <a:latin typeface="함초롬돋움" panose="020B0604000101010101" pitchFamily="50" charset="-127"/>
+                <a:ea typeface="함초롬돋움" panose="020B0604000101010101" pitchFamily="50" charset="-127"/>
+                <a:cs typeface="함초롬돋움" panose="020B0604000101010101" pitchFamily="50" charset="-127"/>
+              </a:rPr>
+              <a:t> 재정의 하여 </a:t>
+            </a:r>
+            <a:r>
+              <a:rPr lang="ko-KR" altLang="en-US" dirty="0" err="1" smtClean="0">
+                <a:latin typeface="함초롬돋움" panose="020B0604000101010101" pitchFamily="50" charset="-127"/>
+                <a:ea typeface="함초롬돋움" panose="020B0604000101010101" pitchFamily="50" charset="-127"/>
+                <a:cs typeface="함초롬돋움" panose="020B0604000101010101" pitchFamily="50" charset="-127"/>
+              </a:rPr>
+              <a:t>커스텀</a:t>
+            </a:r>
+            <a:r>
+              <a:rPr lang="ko-KR" altLang="en-US" dirty="0" smtClean="0">
+                <a:latin typeface="함초롬돋움" panose="020B0604000101010101" pitchFamily="50" charset="-127"/>
+                <a:ea typeface="함초롬돋움" panose="020B0604000101010101" pitchFamily="50" charset="-127"/>
+                <a:cs typeface="함초롬돋움" panose="020B0604000101010101" pitchFamily="50" charset="-127"/>
+              </a:rPr>
+              <a:t> </a:t>
+            </a:r>
+            <a:r>
+              <a:rPr lang="en-US" altLang="ko-KR" dirty="0" err="1" smtClean="0">
+                <a:latin typeface="함초롬돋움" panose="020B0604000101010101" pitchFamily="50" charset="-127"/>
+                <a:ea typeface="함초롬돋움" panose="020B0604000101010101" pitchFamily="50" charset="-127"/>
+                <a:cs typeface="함초롬돋움" panose="020B0604000101010101" pitchFamily="50" charset="-127"/>
+              </a:rPr>
+              <a:t>RegionAdapter</a:t>
+            </a:r>
+            <a:r>
+              <a:rPr lang="ko-KR" altLang="en-US" dirty="0" smtClean="0">
+                <a:latin typeface="함초롬돋움" panose="020B0604000101010101" pitchFamily="50" charset="-127"/>
+                <a:ea typeface="함초롬돋움" panose="020B0604000101010101" pitchFamily="50" charset="-127"/>
+                <a:cs typeface="함초롬돋움" panose="020B0604000101010101" pitchFamily="50" charset="-127"/>
+              </a:rPr>
+              <a:t>를 추가</a:t>
+            </a:r>
+            <a:endParaRPr lang="en-US" altLang="ko-KR" dirty="0" smtClean="0">
+              <a:latin typeface="함초롬돋움" panose="020B0604000101010101" pitchFamily="50" charset="-127"/>
+              <a:ea typeface="함초롬돋움" panose="020B0604000101010101" pitchFamily="50" charset="-127"/>
+              <a:cs typeface="함초롬돋움" panose="020B0604000101010101" pitchFamily="50" charset="-127"/>
+            </a:endParaRPr>
+          </a:p>
+        </p:txBody>
+      </p:sp>
+    </p:spTree>
+    <p:extLst>
+      <p:ext uri="{BB962C8B-B14F-4D97-AF65-F5344CB8AC3E}">
+        <p14:creationId xmlns:p14="http://schemas.microsoft.com/office/powerpoint/2010/main" val="2816911669"/>
+      </p:ext>
+    </p:extLst>
+  </p:cSld>
+  <p:clrMapOvr>
+    <a:masterClrMapping/>
+  </p:clrMapOvr>
+  <p:timing>
+    <p:tnLst>
+      <p:par>
+        <p:cTn id="1" dur="indefinite" restart="never" nodeType="tmRoot"/>
+      </p:par>
+    </p:tnLst>
+  </p:timing>
+</p:sld>
+</file>
+
 <file path=ppt/slides/slide2.xml><?xml version="1.0" encoding="utf-8"?>
 <p:sld xmlns:a="http://schemas.openxmlformats.org/drawingml/2006/main" xmlns:r="http://schemas.openxmlformats.org/officeDocument/2006/relationships" xmlns:p="http://schemas.openxmlformats.org/presentationml/2006/main">
   <p:cSld>
@@ -6981,461 +7192,6 @@
 </file>
 
 <file path=ppt/slides/slide20.xml><?xml version="1.0" encoding="utf-8"?>
-<p:sld xmlns:a="http://schemas.openxmlformats.org/drawingml/2006/main" xmlns:r="http://schemas.openxmlformats.org/officeDocument/2006/relationships" xmlns:p="http://schemas.openxmlformats.org/presentationml/2006/main">
-  <p:cSld>
-    <p:spTree>
-      <p:nvGrpSpPr>
-        <p:cNvPr id="1" name=""/>
-        <p:cNvGrpSpPr/>
-        <p:nvPr/>
-      </p:nvGrpSpPr>
-      <p:grpSpPr>
-        <a:xfrm>
-          <a:off x="0" y="0"/>
-          <a:ext cx="0" cy="0"/>
-          <a:chOff x="0" y="0"/>
-          <a:chExt cx="0" cy="0"/>
-        </a:xfrm>
-      </p:grpSpPr>
-      <p:sp>
-        <p:nvSpPr>
-          <p:cNvPr id="7" name="제목 1"/>
-          <p:cNvSpPr txBox="1">
-            <a:spLocks/>
-          </p:cNvSpPr>
-          <p:nvPr/>
-        </p:nvSpPr>
-        <p:spPr>
-          <a:xfrm>
-            <a:off x="838200" y="365125"/>
-            <a:ext cx="10515600" cy="1090189"/>
-          </a:xfrm>
-          <a:prstGeom prst="rect">
-            <a:avLst/>
-          </a:prstGeom>
-        </p:spPr>
-        <p:txBody>
-          <a:bodyPr vert="horz" lIns="91440" tIns="45720" rIns="91440" bIns="45720" rtlCol="0" anchor="ctr">
-            <a:normAutofit/>
-          </a:bodyPr>
-          <a:lstStyle>
-            <a:lvl1pPr algn="l" defTabSz="914400" rtl="0" eaLnBrk="1" latinLnBrk="1" hangingPunct="1">
-              <a:lnSpc>
-                <a:spcPct val="90000"/>
-              </a:lnSpc>
-              <a:spcBef>
-                <a:spcPct val="0"/>
-              </a:spcBef>
-              <a:buNone/>
-              <a:defRPr sz="4800" kern="1200">
-                <a:solidFill>
-                  <a:schemeClr val="accent4"/>
-                </a:solidFill>
-                <a:latin typeface="+mj-lt"/>
-                <a:ea typeface="+mj-ea"/>
-                <a:cs typeface="+mj-cs"/>
-              </a:defRPr>
-            </a:lvl1pPr>
-          </a:lstStyle>
-          <a:p>
-            <a:r>
-              <a:rPr lang="en-US" altLang="ko-KR" dirty="0" err="1" smtClean="0">
-                <a:latin typeface="함초롬돋움" panose="020B0604000101010101" pitchFamily="50" charset="-127"/>
-                <a:ea typeface="함초롬돋움" panose="020B0604000101010101" pitchFamily="50" charset="-127"/>
-                <a:cs typeface="함초롬돋움" panose="020B0604000101010101" pitchFamily="50" charset="-127"/>
-              </a:rPr>
-              <a:t>RegionAdapter</a:t>
-            </a:r>
-            <a:endParaRPr lang="ko-KR" altLang="en-US" dirty="0">
-              <a:latin typeface="함초롬돋움" panose="020B0604000101010101" pitchFamily="50" charset="-127"/>
-              <a:ea typeface="함초롬돋움" panose="020B0604000101010101" pitchFamily="50" charset="-127"/>
-              <a:cs typeface="함초롬돋움" panose="020B0604000101010101" pitchFamily="50" charset="-127"/>
-            </a:endParaRPr>
-          </a:p>
-        </p:txBody>
-      </p:sp>
-      <p:sp>
-        <p:nvSpPr>
-          <p:cNvPr id="10" name="내용 개체 틀 2"/>
-          <p:cNvSpPr>
-            <a:spLocks noGrp="1"/>
-          </p:cNvSpPr>
-          <p:nvPr>
-            <p:ph idx="1"/>
-          </p:nvPr>
-        </p:nvSpPr>
-        <p:spPr/>
-        <p:txBody>
-          <a:bodyPr>
-            <a:noAutofit/>
-          </a:bodyPr>
-          <a:lstStyle/>
-          <a:p>
-            <a:pPr eaLnBrk="0" fontAlgn="base" latinLnBrk="0" hangingPunct="0">
-              <a:lnSpc>
-                <a:spcPct val="100000"/>
-              </a:lnSpc>
-              <a:spcBef>
-                <a:spcPct val="0"/>
-              </a:spcBef>
-              <a:spcAft>
-                <a:spcPct val="0"/>
-              </a:spcAft>
-            </a:pPr>
-            <a:r>
-              <a:rPr lang="ko-KR" altLang="en-US" dirty="0" smtClean="0">
-                <a:latin typeface="함초롬돋움" panose="020B0604000101010101" pitchFamily="50" charset="-127"/>
-                <a:ea typeface="함초롬돋움" panose="020B0604000101010101" pitchFamily="50" charset="-127"/>
-                <a:cs typeface="함초롬돋움" panose="020B0604000101010101" pitchFamily="50" charset="-127"/>
-              </a:rPr>
-              <a:t>지원 하지 않는 컨트롤들은 </a:t>
-            </a:r>
-            <a:r>
-              <a:rPr lang="en-US" altLang="ko-KR" dirty="0" err="1" smtClean="0">
-                <a:latin typeface="함초롬돋움" panose="020B0604000101010101" pitchFamily="50" charset="-127"/>
-                <a:ea typeface="함초롬돋움" panose="020B0604000101010101" pitchFamily="50" charset="-127"/>
-                <a:cs typeface="함초롬돋움" panose="020B0604000101010101" pitchFamily="50" charset="-127"/>
-              </a:rPr>
-              <a:t>RegionAdapterBase</a:t>
-            </a:r>
-            <a:r>
-              <a:rPr lang="ko-KR" altLang="en-US" dirty="0" smtClean="0">
-                <a:latin typeface="함초롬돋움" panose="020B0604000101010101" pitchFamily="50" charset="-127"/>
-                <a:ea typeface="함초롬돋움" panose="020B0604000101010101" pitchFamily="50" charset="-127"/>
-                <a:cs typeface="함초롬돋움" panose="020B0604000101010101" pitchFamily="50" charset="-127"/>
-              </a:rPr>
-              <a:t>를 상속받아 직접 구현</a:t>
-            </a:r>
-            <a:endParaRPr lang="en-US" altLang="ko-KR" dirty="0" smtClean="0">
-              <a:latin typeface="함초롬돋움" panose="020B0604000101010101" pitchFamily="50" charset="-127"/>
-              <a:ea typeface="함초롬돋움" panose="020B0604000101010101" pitchFamily="50" charset="-127"/>
-              <a:cs typeface="함초롬돋움" panose="020B0604000101010101" pitchFamily="50" charset="-127"/>
-            </a:endParaRPr>
-          </a:p>
-          <a:p>
-            <a:pPr eaLnBrk="0" fontAlgn="base" latinLnBrk="0" hangingPunct="0">
-              <a:lnSpc>
-                <a:spcPct val="100000"/>
-              </a:lnSpc>
-              <a:spcBef>
-                <a:spcPct val="0"/>
-              </a:spcBef>
-              <a:spcAft>
-                <a:spcPct val="0"/>
-              </a:spcAft>
-            </a:pPr>
-            <a:endParaRPr lang="en-US" altLang="ko-KR" dirty="0" smtClean="0">
-              <a:latin typeface="함초롬돋움" panose="020B0604000101010101" pitchFamily="50" charset="-127"/>
-              <a:ea typeface="함초롬돋움" panose="020B0604000101010101" pitchFamily="50" charset="-127"/>
-              <a:cs typeface="함초롬돋움" panose="020B0604000101010101" pitchFamily="50" charset="-127"/>
-            </a:endParaRPr>
-          </a:p>
-          <a:p>
-            <a:pPr eaLnBrk="0" fontAlgn="base" latinLnBrk="0" hangingPunct="0">
-              <a:lnSpc>
-                <a:spcPct val="100000"/>
-              </a:lnSpc>
-              <a:spcBef>
-                <a:spcPct val="0"/>
-              </a:spcBef>
-              <a:spcAft>
-                <a:spcPct val="0"/>
-              </a:spcAft>
-            </a:pPr>
-            <a:r>
-              <a:rPr lang="ko-KR" altLang="en-US" dirty="0" smtClean="0">
-                <a:latin typeface="함초롬돋움" panose="020B0604000101010101" pitchFamily="50" charset="-127"/>
-                <a:ea typeface="함초롬돋움" panose="020B0604000101010101" pitchFamily="50" charset="-127"/>
-                <a:cs typeface="함초롬돋움" panose="020B0604000101010101" pitchFamily="50" charset="-127"/>
-              </a:rPr>
-              <a:t>다음 </a:t>
-            </a:r>
-            <a:r>
-              <a:rPr lang="ko-KR" altLang="en-US" dirty="0" err="1" smtClean="0">
-                <a:latin typeface="함초롬돋움" panose="020B0604000101010101" pitchFamily="50" charset="-127"/>
-                <a:ea typeface="함초롬돋움" panose="020B0604000101010101" pitchFamily="50" charset="-127"/>
-                <a:cs typeface="함초롬돋움" panose="020B0604000101010101" pitchFamily="50" charset="-127"/>
-              </a:rPr>
-              <a:t>메소드를</a:t>
-            </a:r>
-            <a:r>
-              <a:rPr lang="ko-KR" altLang="en-US" dirty="0" smtClean="0">
-                <a:latin typeface="함초롬돋움" panose="020B0604000101010101" pitchFamily="50" charset="-127"/>
-                <a:ea typeface="함초롬돋움" panose="020B0604000101010101" pitchFamily="50" charset="-127"/>
-                <a:cs typeface="함초롬돋움" panose="020B0604000101010101" pitchFamily="50" charset="-127"/>
-              </a:rPr>
-              <a:t> 재정의 함</a:t>
-            </a:r>
-            <a:endParaRPr lang="en-US" altLang="ko-KR" dirty="0" smtClean="0">
-              <a:latin typeface="함초롬돋움" panose="020B0604000101010101" pitchFamily="50" charset="-127"/>
-              <a:ea typeface="함초롬돋움" panose="020B0604000101010101" pitchFamily="50" charset="-127"/>
-              <a:cs typeface="함초롬돋움" panose="020B0604000101010101" pitchFamily="50" charset="-127"/>
-            </a:endParaRPr>
-          </a:p>
-          <a:p>
-            <a:pPr lvl="1" eaLnBrk="0" fontAlgn="base" latinLnBrk="0" hangingPunct="0">
-              <a:lnSpc>
-                <a:spcPct val="100000"/>
-              </a:lnSpc>
-              <a:spcBef>
-                <a:spcPct val="0"/>
-              </a:spcBef>
-              <a:spcAft>
-                <a:spcPct val="0"/>
-              </a:spcAft>
-            </a:pPr>
-            <a:r>
-              <a:rPr lang="en-US" altLang="ko-KR" dirty="0" err="1" smtClean="0">
-                <a:latin typeface="함초롬돋움" panose="020B0604000101010101" pitchFamily="50" charset="-127"/>
-                <a:ea typeface="함초롬돋움" panose="020B0604000101010101" pitchFamily="50" charset="-127"/>
-                <a:cs typeface="함초롬돋움" panose="020B0604000101010101" pitchFamily="50" charset="-127"/>
-              </a:rPr>
-              <a:t>CreateRegion</a:t>
-            </a:r>
-            <a:r>
-              <a:rPr lang="en-US" altLang="ko-KR" dirty="0" smtClean="0">
-                <a:latin typeface="함초롬돋움" panose="020B0604000101010101" pitchFamily="50" charset="-127"/>
-                <a:ea typeface="함초롬돋움" panose="020B0604000101010101" pitchFamily="50" charset="-127"/>
-                <a:cs typeface="함초롬돋움" panose="020B0604000101010101" pitchFamily="50" charset="-127"/>
-              </a:rPr>
-              <a:t> : </a:t>
-            </a:r>
-            <a:r>
-              <a:rPr lang="ko-KR" altLang="en-US" dirty="0">
-                <a:latin typeface="함초롬돋움" panose="020B0604000101010101" pitchFamily="50" charset="-127"/>
-                <a:ea typeface="함초롬돋움" panose="020B0604000101010101" pitchFamily="50" charset="-127"/>
-                <a:cs typeface="함초롬돋움" panose="020B0604000101010101" pitchFamily="50" charset="-127"/>
-              </a:rPr>
-              <a:t>연결되는 컨트롤과</a:t>
-            </a:r>
-            <a:r>
-              <a:rPr lang="en-US" altLang="ko-KR" dirty="0">
-                <a:latin typeface="함초롬돋움" panose="020B0604000101010101" pitchFamily="50" charset="-127"/>
-                <a:ea typeface="함초롬돋움" panose="020B0604000101010101" pitchFamily="50" charset="-127"/>
-                <a:cs typeface="함초롬돋움" panose="020B0604000101010101" pitchFamily="50" charset="-127"/>
-              </a:rPr>
-              <a:t> </a:t>
-            </a:r>
-            <a:r>
-              <a:rPr lang="ko-KR" altLang="en-US" dirty="0">
-                <a:latin typeface="함초롬돋움" panose="020B0604000101010101" pitchFamily="50" charset="-127"/>
-                <a:ea typeface="함초롬돋움" panose="020B0604000101010101" pitchFamily="50" charset="-127"/>
-                <a:cs typeface="함초롬돋움" panose="020B0604000101010101" pitchFamily="50" charset="-127"/>
-              </a:rPr>
-              <a:t>관련된 </a:t>
-            </a:r>
-            <a:r>
-              <a:rPr lang="en-US" altLang="ko-KR" dirty="0" smtClean="0">
-                <a:latin typeface="함초롬돋움" panose="020B0604000101010101" pitchFamily="50" charset="-127"/>
-                <a:ea typeface="함초롬돋움" panose="020B0604000101010101" pitchFamily="50" charset="-127"/>
-                <a:cs typeface="함초롬돋움" panose="020B0604000101010101" pitchFamily="50" charset="-127"/>
-              </a:rPr>
-              <a:t>Region</a:t>
-            </a:r>
-            <a:r>
-              <a:rPr lang="ko-KR" altLang="en-US" dirty="0" smtClean="0">
-                <a:latin typeface="함초롬돋움" panose="020B0604000101010101" pitchFamily="50" charset="-127"/>
-                <a:ea typeface="함초롬돋움" panose="020B0604000101010101" pitchFamily="50" charset="-127"/>
-                <a:cs typeface="함초롬돋움" panose="020B0604000101010101" pitchFamily="50" charset="-127"/>
-              </a:rPr>
-              <a:t> 생성하여 반환</a:t>
-            </a:r>
-            <a:endParaRPr lang="en-US" altLang="ko-KR" dirty="0" smtClean="0">
-              <a:latin typeface="함초롬돋움" panose="020B0604000101010101" pitchFamily="50" charset="-127"/>
-              <a:ea typeface="함초롬돋움" panose="020B0604000101010101" pitchFamily="50" charset="-127"/>
-              <a:cs typeface="함초롬돋움" panose="020B0604000101010101" pitchFamily="50" charset="-127"/>
-            </a:endParaRPr>
-          </a:p>
-          <a:p>
-            <a:pPr lvl="1" eaLnBrk="0" fontAlgn="base" latinLnBrk="0" hangingPunct="0">
-              <a:lnSpc>
-                <a:spcPct val="100000"/>
-              </a:lnSpc>
-              <a:spcBef>
-                <a:spcPct val="0"/>
-              </a:spcBef>
-              <a:spcAft>
-                <a:spcPct val="0"/>
-              </a:spcAft>
-            </a:pPr>
-            <a:r>
-              <a:rPr lang="en-US" altLang="ko-KR" dirty="0" smtClean="0">
-                <a:latin typeface="함초롬돋움" panose="020B0604000101010101" pitchFamily="50" charset="-127"/>
-                <a:ea typeface="함초롬돋움" panose="020B0604000101010101" pitchFamily="50" charset="-127"/>
-                <a:cs typeface="함초롬돋움" panose="020B0604000101010101" pitchFamily="50" charset="-127"/>
-              </a:rPr>
-              <a:t>Adapt : </a:t>
-            </a:r>
-            <a:r>
-              <a:rPr lang="ko-KR" altLang="en-US" dirty="0" smtClean="0">
-                <a:latin typeface="함초롬돋움" panose="020B0604000101010101" pitchFamily="50" charset="-127"/>
-                <a:ea typeface="함초롬돋움" panose="020B0604000101010101" pitchFamily="50" charset="-127"/>
-                <a:cs typeface="함초롬돋움" panose="020B0604000101010101" pitchFamily="50" charset="-127"/>
-              </a:rPr>
-              <a:t>생성한 </a:t>
-            </a:r>
-            <a:r>
-              <a:rPr lang="en-US" altLang="ko-KR" dirty="0" smtClean="0">
-                <a:latin typeface="함초롬돋움" panose="020B0604000101010101" pitchFamily="50" charset="-127"/>
-                <a:ea typeface="함초롬돋움" panose="020B0604000101010101" pitchFamily="50" charset="-127"/>
-                <a:cs typeface="함초롬돋움" panose="020B0604000101010101" pitchFamily="50" charset="-127"/>
-              </a:rPr>
-              <a:t>Region</a:t>
-            </a:r>
-            <a:r>
-              <a:rPr lang="ko-KR" altLang="en-US" dirty="0" smtClean="0">
-                <a:latin typeface="함초롬돋움" panose="020B0604000101010101" pitchFamily="50" charset="-127"/>
-                <a:ea typeface="함초롬돋움" panose="020B0604000101010101" pitchFamily="50" charset="-127"/>
-                <a:cs typeface="함초롬돋움" panose="020B0604000101010101" pitchFamily="50" charset="-127"/>
-              </a:rPr>
-              <a:t>을 컨트롤에 연결</a:t>
-            </a:r>
-            <a:endParaRPr lang="en-US" altLang="ko-KR" dirty="0" smtClean="0">
-              <a:latin typeface="함초롬돋움" panose="020B0604000101010101" pitchFamily="50" charset="-127"/>
-              <a:ea typeface="함초롬돋움" panose="020B0604000101010101" pitchFamily="50" charset="-127"/>
-              <a:cs typeface="함초롬돋움" panose="020B0604000101010101" pitchFamily="50" charset="-127"/>
-            </a:endParaRPr>
-          </a:p>
-          <a:p>
-            <a:pPr marL="457200" lvl="1" indent="0" eaLnBrk="0" fontAlgn="base" latinLnBrk="0" hangingPunct="0">
-              <a:lnSpc>
-                <a:spcPct val="100000"/>
-              </a:lnSpc>
-              <a:spcBef>
-                <a:spcPct val="0"/>
-              </a:spcBef>
-              <a:spcAft>
-                <a:spcPct val="0"/>
-              </a:spcAft>
-              <a:buNone/>
-            </a:pPr>
-            <a:endParaRPr lang="en-US" altLang="ko-KR" dirty="0" smtClean="0">
-              <a:latin typeface="함초롬돋움" panose="020B0604000101010101" pitchFamily="50" charset="-127"/>
-              <a:ea typeface="함초롬돋움" panose="020B0604000101010101" pitchFamily="50" charset="-127"/>
-              <a:cs typeface="함초롬돋움" panose="020B0604000101010101" pitchFamily="50" charset="-127"/>
-            </a:endParaRPr>
-          </a:p>
-          <a:p>
-            <a:pPr eaLnBrk="0" fontAlgn="base" latinLnBrk="0" hangingPunct="0">
-              <a:lnSpc>
-                <a:spcPct val="100000"/>
-              </a:lnSpc>
-              <a:spcBef>
-                <a:spcPct val="0"/>
-              </a:spcBef>
-              <a:spcAft>
-                <a:spcPct val="0"/>
-              </a:spcAft>
-            </a:pPr>
-            <a:r>
-              <a:rPr lang="en-US" altLang="ko-KR" dirty="0" err="1" smtClean="0">
-                <a:latin typeface="함초롬돋움" panose="020B0604000101010101" pitchFamily="50" charset="-127"/>
-                <a:ea typeface="함초롬돋움" panose="020B0604000101010101" pitchFamily="50" charset="-127"/>
-                <a:cs typeface="함초롬돋움" panose="020B0604000101010101" pitchFamily="50" charset="-127"/>
-              </a:rPr>
-              <a:t>Bootstrapper</a:t>
-            </a:r>
-            <a:r>
-              <a:rPr lang="ko-KR" altLang="en-US" dirty="0" smtClean="0">
-                <a:latin typeface="함초롬돋움" panose="020B0604000101010101" pitchFamily="50" charset="-127"/>
-                <a:ea typeface="함초롬돋움" panose="020B0604000101010101" pitchFamily="50" charset="-127"/>
-                <a:cs typeface="함초롬돋움" panose="020B0604000101010101" pitchFamily="50" charset="-127"/>
-              </a:rPr>
-              <a:t>에 </a:t>
-            </a:r>
-            <a:r>
-              <a:rPr lang="en-US" altLang="ko-KR" dirty="0" err="1" smtClean="0">
-                <a:latin typeface="함초롬돋움" panose="020B0604000101010101" pitchFamily="50" charset="-127"/>
-                <a:ea typeface="함초롬돋움" panose="020B0604000101010101" pitchFamily="50" charset="-127"/>
-                <a:cs typeface="함초롬돋움" panose="020B0604000101010101" pitchFamily="50" charset="-127"/>
-              </a:rPr>
-              <a:t>ConfigurationRegionAdapterMapping</a:t>
-            </a:r>
-            <a:r>
-              <a:rPr lang="en-US" altLang="ko-KR" dirty="0" smtClean="0">
-                <a:latin typeface="함초롬돋움" panose="020B0604000101010101" pitchFamily="50" charset="-127"/>
-                <a:ea typeface="함초롬돋움" panose="020B0604000101010101" pitchFamily="50" charset="-127"/>
-                <a:cs typeface="함초롬돋움" panose="020B0604000101010101" pitchFamily="50" charset="-127"/>
-              </a:rPr>
-              <a:t> </a:t>
-            </a:r>
-            <a:r>
-              <a:rPr lang="ko-KR" altLang="en-US" dirty="0" err="1" smtClean="0">
-                <a:latin typeface="함초롬돋움" panose="020B0604000101010101" pitchFamily="50" charset="-127"/>
-                <a:ea typeface="함초롬돋움" panose="020B0604000101010101" pitchFamily="50" charset="-127"/>
-                <a:cs typeface="함초롬돋움" panose="020B0604000101010101" pitchFamily="50" charset="-127"/>
-              </a:rPr>
-              <a:t>메소드를</a:t>
-            </a:r>
-            <a:r>
-              <a:rPr lang="ko-KR" altLang="en-US" dirty="0" smtClean="0">
-                <a:latin typeface="함초롬돋움" panose="020B0604000101010101" pitchFamily="50" charset="-127"/>
-                <a:ea typeface="함초롬돋움" panose="020B0604000101010101" pitchFamily="50" charset="-127"/>
-                <a:cs typeface="함초롬돋움" panose="020B0604000101010101" pitchFamily="50" charset="-127"/>
-              </a:rPr>
-              <a:t> 재정의 하여 </a:t>
-            </a:r>
-            <a:r>
-              <a:rPr lang="ko-KR" altLang="en-US" dirty="0" err="1" smtClean="0">
-                <a:latin typeface="함초롬돋움" panose="020B0604000101010101" pitchFamily="50" charset="-127"/>
-                <a:ea typeface="함초롬돋움" panose="020B0604000101010101" pitchFamily="50" charset="-127"/>
-                <a:cs typeface="함초롬돋움" panose="020B0604000101010101" pitchFamily="50" charset="-127"/>
-              </a:rPr>
-              <a:t>커스텀</a:t>
-            </a:r>
-            <a:r>
-              <a:rPr lang="ko-KR" altLang="en-US" dirty="0" smtClean="0">
-                <a:latin typeface="함초롬돋움" panose="020B0604000101010101" pitchFamily="50" charset="-127"/>
-                <a:ea typeface="함초롬돋움" panose="020B0604000101010101" pitchFamily="50" charset="-127"/>
-                <a:cs typeface="함초롬돋움" panose="020B0604000101010101" pitchFamily="50" charset="-127"/>
-              </a:rPr>
-              <a:t> </a:t>
-            </a:r>
-            <a:r>
-              <a:rPr lang="en-US" altLang="ko-KR" dirty="0" err="1" smtClean="0">
-                <a:latin typeface="함초롬돋움" panose="020B0604000101010101" pitchFamily="50" charset="-127"/>
-                <a:ea typeface="함초롬돋움" panose="020B0604000101010101" pitchFamily="50" charset="-127"/>
-                <a:cs typeface="함초롬돋움" panose="020B0604000101010101" pitchFamily="50" charset="-127"/>
-              </a:rPr>
-              <a:t>RegionAdapter</a:t>
-            </a:r>
-            <a:r>
-              <a:rPr lang="ko-KR" altLang="en-US" dirty="0" smtClean="0">
-                <a:latin typeface="함초롬돋움" panose="020B0604000101010101" pitchFamily="50" charset="-127"/>
-                <a:ea typeface="함초롬돋움" panose="020B0604000101010101" pitchFamily="50" charset="-127"/>
-                <a:cs typeface="함초롬돋움" panose="020B0604000101010101" pitchFamily="50" charset="-127"/>
-              </a:rPr>
-              <a:t>를 추가</a:t>
-            </a:r>
-            <a:endParaRPr lang="en-US" altLang="ko-KR" dirty="0" smtClean="0">
-              <a:latin typeface="함초롬돋움" panose="020B0604000101010101" pitchFamily="50" charset="-127"/>
-              <a:ea typeface="함초롬돋움" panose="020B0604000101010101" pitchFamily="50" charset="-127"/>
-              <a:cs typeface="함초롬돋움" panose="020B0604000101010101" pitchFamily="50" charset="-127"/>
-            </a:endParaRPr>
-          </a:p>
-        </p:txBody>
-      </p:sp>
-    </p:spTree>
-    <p:extLst>
-      <p:ext uri="{BB962C8B-B14F-4D97-AF65-F5344CB8AC3E}">
-        <p14:creationId xmlns:p14="http://schemas.microsoft.com/office/powerpoint/2010/main" val="2816911669"/>
-      </p:ext>
-    </p:extLst>
-  </p:cSld>
-  <p:clrMapOvr>
-    <a:masterClrMapping/>
-  </p:clrMapOvr>
-  <p:timing>
-    <p:tnLst>
-      <p:par>
-        <p:cTn id="1" dur="indefinite" restart="never" nodeType="tmRoot"/>
-      </p:par>
-    </p:tnLst>
-  </p:timing>
-</p:sld>
-</file>
-
-<file path=ppt/slides/slide21.xml><?xml version="1.0" encoding="utf-8"?>
 <p:sld xmlns:a="http://schemas.openxmlformats.org/drawingml/2006/main" xmlns:r="http://schemas.openxmlformats.org/officeDocument/2006/relationships" xmlns:p="http://schemas.openxmlformats.org/presentationml/2006/main">
   <p:cSld>
     <p:spTree>
@@ -7625,7 +7381,7 @@
 </p:sld>
 </file>
 
-<file path=ppt/slides/slide22.xml><?xml version="1.0" encoding="utf-8"?>
+<file path=ppt/slides/slide21.xml><?xml version="1.0" encoding="utf-8"?>
 <p:sld xmlns:a="http://schemas.openxmlformats.org/drawingml/2006/main" xmlns:r="http://schemas.openxmlformats.org/officeDocument/2006/relationships" xmlns:p="http://schemas.openxmlformats.org/presentationml/2006/main">
   <p:cSld>
     <p:spTree>
@@ -8156,6 +7912,124 @@
 </p:sld>
 </file>
 
+<file path=ppt/slides/slide22.xml><?xml version="1.0" encoding="utf-8"?>
+<p:sld xmlns:a="http://schemas.openxmlformats.org/drawingml/2006/main" xmlns:r="http://schemas.openxmlformats.org/officeDocument/2006/relationships" xmlns:p="http://schemas.openxmlformats.org/presentationml/2006/main">
+  <p:cSld>
+    <p:spTree>
+      <p:nvGrpSpPr>
+        <p:cNvPr id="1" name=""/>
+        <p:cNvGrpSpPr/>
+        <p:nvPr/>
+      </p:nvGrpSpPr>
+      <p:grpSpPr>
+        <a:xfrm>
+          <a:off x="0" y="0"/>
+          <a:ext cx="0" cy="0"/>
+          <a:chOff x="0" y="0"/>
+          <a:chExt cx="0" cy="0"/>
+        </a:xfrm>
+      </p:grpSpPr>
+      <p:sp>
+        <p:nvSpPr>
+          <p:cNvPr id="7" name="제목 1"/>
+          <p:cNvSpPr txBox="1">
+            <a:spLocks/>
+          </p:cNvSpPr>
+          <p:nvPr/>
+        </p:nvSpPr>
+        <p:spPr>
+          <a:xfrm>
+            <a:off x="838200" y="365125"/>
+            <a:ext cx="10515600" cy="1090189"/>
+          </a:xfrm>
+          <a:prstGeom prst="rect">
+            <a:avLst/>
+          </a:prstGeom>
+        </p:spPr>
+        <p:txBody>
+          <a:bodyPr vert="horz" lIns="91440" tIns="45720" rIns="91440" bIns="45720" rtlCol="0" anchor="ctr">
+            <a:normAutofit/>
+          </a:bodyPr>
+          <a:lstStyle>
+            <a:lvl1pPr algn="l" defTabSz="914400" rtl="0" eaLnBrk="1" latinLnBrk="1" hangingPunct="1">
+              <a:lnSpc>
+                <a:spcPct val="90000"/>
+              </a:lnSpc>
+              <a:spcBef>
+                <a:spcPct val="0"/>
+              </a:spcBef>
+              <a:buNone/>
+              <a:defRPr sz="4800" kern="1200">
+                <a:solidFill>
+                  <a:schemeClr val="accent4"/>
+                </a:solidFill>
+                <a:latin typeface="+mj-lt"/>
+                <a:ea typeface="+mj-ea"/>
+                <a:cs typeface="+mj-cs"/>
+              </a:defRPr>
+            </a:lvl1pPr>
+          </a:lstStyle>
+          <a:p>
+            <a:r>
+              <a:rPr lang="en-US" altLang="ko-KR" dirty="0" err="1" smtClean="0">
+                <a:latin typeface="함초롬돋움" panose="020B0604000101010101" pitchFamily="50" charset="-127"/>
+                <a:ea typeface="함초롬돋움" panose="020B0604000101010101" pitchFamily="50" charset="-127"/>
+                <a:cs typeface="함초롬돋움" panose="020B0604000101010101" pitchFamily="50" charset="-127"/>
+              </a:rPr>
+              <a:t>RegionBehaviors</a:t>
+            </a:r>
+            <a:endParaRPr lang="ko-KR" altLang="en-US" dirty="0">
+              <a:latin typeface="함초롬돋움" panose="020B0604000101010101" pitchFamily="50" charset="-127"/>
+              <a:ea typeface="함초롬돋움" panose="020B0604000101010101" pitchFamily="50" charset="-127"/>
+              <a:cs typeface="함초롬돋움" panose="020B0604000101010101" pitchFamily="50" charset="-127"/>
+            </a:endParaRPr>
+          </a:p>
+        </p:txBody>
+      </p:sp>
+      <p:pic>
+        <p:nvPicPr>
+          <p:cNvPr id="2" name="그림 1"/>
+          <p:cNvPicPr>
+            <a:picLocks noChangeAspect="1"/>
+          </p:cNvPicPr>
+          <p:nvPr/>
+        </p:nvPicPr>
+        <p:blipFill>
+          <a:blip r:embed="rId2"/>
+          <a:stretch>
+            <a:fillRect/>
+          </a:stretch>
+        </p:blipFill>
+        <p:spPr>
+          <a:xfrm>
+            <a:off x="1325640" y="2743201"/>
+            <a:ext cx="9756852" cy="3131104"/>
+          </a:xfrm>
+          <a:prstGeom prst="rect">
+            <a:avLst/>
+          </a:prstGeom>
+        </p:spPr>
+      </p:pic>
+    </p:spTree>
+    <p:extLst>
+      <p:ext uri="{BB962C8B-B14F-4D97-AF65-F5344CB8AC3E}">
+        <p14:creationId xmlns:p14="http://schemas.microsoft.com/office/powerpoint/2010/main" val="3375151528"/>
+      </p:ext>
+    </p:extLst>
+  </p:cSld>
+  <p:clrMapOvr>
+    <a:masterClrMapping/>
+  </p:clrMapOvr>
+  <p:timing>
+    <p:tnLst>
+      <p:par>
+        <p:cTn id="1" dur="indefinite" restart="never" nodeType="tmRoot"/>
+      </p:par>
+    </p:tnLst>
+  </p:timing>
+</p:sld>
+</file>
+
 <file path=ppt/slides/slide23.xml><?xml version="1.0" encoding="utf-8"?>
 <p:sld xmlns:a="http://schemas.openxmlformats.org/drawingml/2006/main" xmlns:r="http://schemas.openxmlformats.org/officeDocument/2006/relationships" xmlns:p="http://schemas.openxmlformats.org/presentationml/2006/main">
   <p:cSld>
@@ -8215,12 +8089,20 @@
           </a:lstStyle>
           <a:p>
             <a:r>
-              <a:rPr lang="en-US" altLang="ko-KR" dirty="0" err="1" smtClean="0">
-                <a:latin typeface="함초롬돋움" panose="020B0604000101010101" pitchFamily="50" charset="-127"/>
-                <a:ea typeface="함초롬돋움" panose="020B0604000101010101" pitchFamily="50" charset="-127"/>
-                <a:cs typeface="함초롬돋움" panose="020B0604000101010101" pitchFamily="50" charset="-127"/>
-              </a:rPr>
-              <a:t>RegionBehaviors</a:t>
+              <a:rPr lang="en-US" altLang="ko-KR" dirty="0" smtClean="0">
+                <a:latin typeface="함초롬돋움" panose="020B0604000101010101" pitchFamily="50" charset="-127"/>
+                <a:ea typeface="함초롬돋움" panose="020B0604000101010101" pitchFamily="50" charset="-127"/>
+                <a:cs typeface="함초롬돋움" panose="020B0604000101010101" pitchFamily="50" charset="-127"/>
+              </a:rPr>
+              <a:t>Behaviors</a:t>
+            </a:r>
+            <a:r>
+              <a:rPr lang="ko-KR" altLang="en-US" dirty="0" smtClean="0">
+                <a:latin typeface="함초롬돋움" panose="020B0604000101010101" pitchFamily="50" charset="-127"/>
+                <a:ea typeface="함초롬돋움" panose="020B0604000101010101" pitchFamily="50" charset="-127"/>
+                <a:cs typeface="함초롬돋움" panose="020B0604000101010101" pitchFamily="50" charset="-127"/>
+              </a:rPr>
+              <a:t>를 적용하는 방법</a:t>
             </a:r>
             <a:endParaRPr lang="ko-KR" altLang="en-US" dirty="0">
               <a:latin typeface="함초롬돋움" panose="020B0604000101010101" pitchFamily="50" charset="-127"/>
@@ -8230,34 +8112,114 @@
           </a:p>
         </p:txBody>
       </p:sp>
-      <p:pic>
-        <p:nvPicPr>
-          <p:cNvPr id="2" name="그림 1"/>
-          <p:cNvPicPr>
-            <a:picLocks noChangeAspect="1"/>
-          </p:cNvPicPr>
-          <p:nvPr/>
-        </p:nvPicPr>
-        <p:blipFill>
-          <a:blip r:embed="rId2"/>
-          <a:stretch>
-            <a:fillRect/>
-          </a:stretch>
-        </p:blipFill>
-        <p:spPr>
-          <a:xfrm>
-            <a:off x="1325640" y="2743201"/>
-            <a:ext cx="9756852" cy="3131104"/>
-          </a:xfrm>
-          <a:prstGeom prst="rect">
-            <a:avLst/>
-          </a:prstGeom>
-        </p:spPr>
-      </p:pic>
+      <p:sp>
+        <p:nvSpPr>
+          <p:cNvPr id="10" name="내용 개체 틀 2"/>
+          <p:cNvSpPr>
+            <a:spLocks noGrp="1"/>
+          </p:cNvSpPr>
+          <p:nvPr>
+            <p:ph idx="1"/>
+          </p:nvPr>
+        </p:nvSpPr>
+        <p:spPr/>
+        <p:txBody>
+          <a:bodyPr>
+            <a:noAutofit/>
+          </a:bodyPr>
+          <a:lstStyle/>
+          <a:p>
+            <a:pPr eaLnBrk="0" fontAlgn="base" latinLnBrk="0" hangingPunct="0">
+              <a:lnSpc>
+                <a:spcPct val="100000"/>
+              </a:lnSpc>
+              <a:spcBef>
+                <a:spcPct val="0"/>
+              </a:spcBef>
+              <a:spcAft>
+                <a:spcPct val="0"/>
+              </a:spcAft>
+            </a:pPr>
+            <a:r>
+              <a:rPr lang="ko-KR" altLang="en-US" dirty="0" smtClean="0">
+                <a:latin typeface="함초롬돋움" panose="020B0604000101010101" pitchFamily="50" charset="-127"/>
+                <a:ea typeface="함초롬돋움" panose="020B0604000101010101" pitchFamily="50" charset="-127"/>
+                <a:cs typeface="함초롬돋움" panose="020B0604000101010101" pitchFamily="50" charset="-127"/>
+              </a:rPr>
+              <a:t>모든 </a:t>
+            </a:r>
+            <a:r>
+              <a:rPr lang="en-US" altLang="ko-KR" dirty="0" smtClean="0">
+                <a:latin typeface="함초롬돋움" panose="020B0604000101010101" pitchFamily="50" charset="-127"/>
+                <a:ea typeface="함초롬돋움" panose="020B0604000101010101" pitchFamily="50" charset="-127"/>
+                <a:cs typeface="함초롬돋움" panose="020B0604000101010101" pitchFamily="50" charset="-127"/>
+              </a:rPr>
+              <a:t>Region</a:t>
+            </a:r>
+            <a:r>
+              <a:rPr lang="ko-KR" altLang="en-US" dirty="0" smtClean="0">
+                <a:latin typeface="함초롬돋움" panose="020B0604000101010101" pitchFamily="50" charset="-127"/>
+                <a:ea typeface="함초롬돋움" panose="020B0604000101010101" pitchFamily="50" charset="-127"/>
+                <a:cs typeface="함초롬돋움" panose="020B0604000101010101" pitchFamily="50" charset="-127"/>
+              </a:rPr>
+              <a:t>에 적용</a:t>
+            </a:r>
+            <a:endParaRPr lang="en-US" altLang="ko-KR" dirty="0" smtClean="0">
+              <a:latin typeface="함초롬돋움" panose="020B0604000101010101" pitchFamily="50" charset="-127"/>
+              <a:ea typeface="함초롬돋움" panose="020B0604000101010101" pitchFamily="50" charset="-127"/>
+              <a:cs typeface="함초롬돋움" panose="020B0604000101010101" pitchFamily="50" charset="-127"/>
+            </a:endParaRPr>
+          </a:p>
+          <a:p>
+            <a:pPr eaLnBrk="0" fontAlgn="base" latinLnBrk="0" hangingPunct="0">
+              <a:lnSpc>
+                <a:spcPct val="100000"/>
+              </a:lnSpc>
+              <a:spcBef>
+                <a:spcPct val="0"/>
+              </a:spcBef>
+              <a:spcAft>
+                <a:spcPct val="0"/>
+              </a:spcAft>
+            </a:pPr>
+            <a:endParaRPr lang="en-US" altLang="ko-KR" dirty="0">
+              <a:latin typeface="함초롬돋움" panose="020B0604000101010101" pitchFamily="50" charset="-127"/>
+              <a:ea typeface="함초롬돋움" panose="020B0604000101010101" pitchFamily="50" charset="-127"/>
+              <a:cs typeface="함초롬돋움" panose="020B0604000101010101" pitchFamily="50" charset="-127"/>
+            </a:endParaRPr>
+          </a:p>
+          <a:p>
+            <a:pPr eaLnBrk="0" fontAlgn="base" latinLnBrk="0" hangingPunct="0">
+              <a:lnSpc>
+                <a:spcPct val="100000"/>
+              </a:lnSpc>
+              <a:spcBef>
+                <a:spcPct val="0"/>
+              </a:spcBef>
+              <a:spcAft>
+                <a:spcPct val="0"/>
+              </a:spcAft>
+            </a:pPr>
+            <a:r>
+              <a:rPr lang="ko-KR" altLang="en-US" dirty="0" smtClean="0"/>
+              <a:t>특정 컨트롤의 </a:t>
+            </a:r>
+            <a:r>
+              <a:rPr lang="en-US" altLang="ko-KR" dirty="0" smtClean="0"/>
+              <a:t>Region</a:t>
+            </a:r>
+            <a:r>
+              <a:rPr lang="ko-KR" altLang="en-US" dirty="0" smtClean="0"/>
+              <a:t>에 적용</a:t>
+            </a:r>
+            <a:endParaRPr lang="en-US" altLang="ko-KR" dirty="0" smtClean="0"/>
+          </a:p>
+        </p:txBody>
+      </p:sp>
     </p:spTree>
     <p:extLst>
       <p:ext uri="{BB962C8B-B14F-4D97-AF65-F5344CB8AC3E}">
-        <p14:creationId xmlns:p14="http://schemas.microsoft.com/office/powerpoint/2010/main" val="3375151528"/>
+        <p14:creationId xmlns:p14="http://schemas.microsoft.com/office/powerpoint/2010/main" val="1752636859"/>
       </p:ext>
     </p:extLst>
   </p:cSld>
@@ -8333,12 +8295,20 @@
           </a:lstStyle>
           <a:p>
             <a:r>
+              <a:rPr lang="ko-KR" altLang="en-US" dirty="0" smtClean="0">
+                <a:latin typeface="함초롬돋움" panose="020B0604000101010101" pitchFamily="50" charset="-127"/>
+                <a:ea typeface="함초롬돋움" panose="020B0604000101010101" pitchFamily="50" charset="-127"/>
+                <a:cs typeface="함초롬돋움" panose="020B0604000101010101" pitchFamily="50" charset="-127"/>
+              </a:rPr>
+              <a:t>모든 </a:t>
+            </a:r>
+            <a:r>
               <a:rPr lang="en-US" altLang="ko-KR" dirty="0" smtClean="0">
                 <a:latin typeface="함초롬돋움" panose="020B0604000101010101" pitchFamily="50" charset="-127"/>
                 <a:ea typeface="함초롬돋움" panose="020B0604000101010101" pitchFamily="50" charset="-127"/>
                 <a:cs typeface="함초롬돋움" panose="020B0604000101010101" pitchFamily="50" charset="-127"/>
               </a:rPr>
-              <a:t>Behaviors</a:t>
+              <a:t>Region</a:t>
             </a:r>
             <a:r>
               <a:rPr lang="ko-KR" altLang="en-US" dirty="0" smtClean="0">
@@ -8346,7 +8316,7 @@
                 <a:ea typeface="함초롬돋움" panose="020B0604000101010101" pitchFamily="50" charset="-127"/>
                 <a:cs typeface="함초롬돋움" panose="020B0604000101010101" pitchFamily="50" charset="-127"/>
               </a:rPr>
-              <a:t>를 적용하는 방법</a:t>
+              <a:t>에 적용</a:t>
             </a:r>
             <a:endParaRPr lang="ko-KR" altLang="en-US" dirty="0">
               <a:latin typeface="함초롬돋움" panose="020B0604000101010101" pitchFamily="50" charset="-127"/>
@@ -8385,28 +8355,32 @@
               </a:spcAft>
             </a:pPr>
             <a:r>
+              <a:rPr lang="en-US" altLang="ko-KR" dirty="0" err="1" smtClean="0">
+                <a:latin typeface="함초롬돋움" panose="020B0604000101010101" pitchFamily="50" charset="-127"/>
+                <a:ea typeface="함초롬돋움" panose="020B0604000101010101" pitchFamily="50" charset="-127"/>
+                <a:cs typeface="함초롬돋움" panose="020B0604000101010101" pitchFamily="50" charset="-127"/>
+              </a:rPr>
+              <a:t>Bootstrapper</a:t>
+            </a:r>
+            <a:r>
               <a:rPr lang="ko-KR" altLang="en-US" dirty="0" smtClean="0">
                 <a:latin typeface="함초롬돋움" panose="020B0604000101010101" pitchFamily="50" charset="-127"/>
                 <a:ea typeface="함초롬돋움" panose="020B0604000101010101" pitchFamily="50" charset="-127"/>
                 <a:cs typeface="함초롬돋움" panose="020B0604000101010101" pitchFamily="50" charset="-127"/>
               </a:rPr>
-              <a:t>모든 </a:t>
-            </a:r>
-            <a:r>
-              <a:rPr lang="en-US" altLang="ko-KR" dirty="0" smtClean="0">
-                <a:latin typeface="함초롬돋움" panose="020B0604000101010101" pitchFamily="50" charset="-127"/>
-                <a:ea typeface="함초롬돋움" panose="020B0604000101010101" pitchFamily="50" charset="-127"/>
-                <a:cs typeface="함초롬돋움" panose="020B0604000101010101" pitchFamily="50" charset="-127"/>
-              </a:rPr>
-              <a:t>Region</a:t>
-            </a:r>
-            <a:r>
-              <a:rPr lang="ko-KR" altLang="en-US" dirty="0" smtClean="0">
-                <a:latin typeface="함초롬돋움" panose="020B0604000101010101" pitchFamily="50" charset="-127"/>
-                <a:ea typeface="함초롬돋움" panose="020B0604000101010101" pitchFamily="50" charset="-127"/>
-                <a:cs typeface="함초롬돋움" panose="020B0604000101010101" pitchFamily="50" charset="-127"/>
-              </a:rPr>
-              <a:t>에 적용</a:t>
+              <a:t>에 </a:t>
+            </a:r>
+            <a:r>
+              <a:rPr lang="en-US" altLang="ko-KR" dirty="0" err="1" smtClean="0"/>
+              <a:t>ConfigureDefaultRegionBehaviors</a:t>
+            </a:r>
+            <a:r>
+              <a:rPr lang="ko-KR" altLang="en-US" dirty="0"/>
+              <a:t> </a:t>
+            </a:r>
+            <a:r>
+              <a:rPr lang="ko-KR" altLang="en-US" dirty="0" smtClean="0"/>
+              <a:t>메서드 재정의</a:t>
             </a:r>
             <a:endParaRPr lang="en-US" altLang="ko-KR" dirty="0" smtClean="0">
               <a:latin typeface="함초롬돋움" panose="020B0604000101010101" pitchFamily="50" charset="-127"/>
@@ -8414,56 +8388,36 @@
               <a:cs typeface="함초롬돋움" panose="020B0604000101010101" pitchFamily="50" charset="-127"/>
             </a:endParaRPr>
           </a:p>
-          <a:p>
-            <a:pPr eaLnBrk="0" fontAlgn="base" latinLnBrk="0" hangingPunct="0">
-              <a:lnSpc>
-                <a:spcPct val="100000"/>
-              </a:lnSpc>
-              <a:spcBef>
-                <a:spcPct val="0"/>
-              </a:spcBef>
-              <a:spcAft>
-                <a:spcPct val="0"/>
-              </a:spcAft>
-            </a:pPr>
-            <a:endParaRPr lang="en-US" altLang="ko-KR" dirty="0">
-              <a:latin typeface="함초롬돋움" panose="020B0604000101010101" pitchFamily="50" charset="-127"/>
-              <a:ea typeface="함초롬돋움" panose="020B0604000101010101" pitchFamily="50" charset="-127"/>
-              <a:cs typeface="함초롬돋움" panose="020B0604000101010101" pitchFamily="50" charset="-127"/>
-            </a:endParaRPr>
-          </a:p>
-          <a:p>
-            <a:pPr eaLnBrk="0" fontAlgn="base" latinLnBrk="0" hangingPunct="0">
-              <a:lnSpc>
-                <a:spcPct val="100000"/>
-              </a:lnSpc>
-              <a:spcBef>
-                <a:spcPct val="0"/>
-              </a:spcBef>
-              <a:spcAft>
-                <a:spcPct val="0"/>
-              </a:spcAft>
-            </a:pPr>
-            <a:r>
-              <a:rPr lang="ko-KR" altLang="en-US" dirty="0" smtClean="0"/>
-              <a:t>특정 컨트롤의 </a:t>
-            </a:r>
-            <a:r>
-              <a:rPr lang="en-US" altLang="ko-KR" dirty="0" smtClean="0"/>
-              <a:t>Region</a:t>
-            </a:r>
-            <a:r>
-              <a:rPr lang="ko-KR" altLang="en-US" dirty="0" smtClean="0"/>
-              <a:t>에 적용</a:t>
-            </a:r>
-            <a:endParaRPr lang="en-US" altLang="ko-KR" dirty="0" smtClean="0"/>
-          </a:p>
         </p:txBody>
       </p:sp>
+      <p:pic>
+        <p:nvPicPr>
+          <p:cNvPr id="3" name="그림 2"/>
+          <p:cNvPicPr>
+            <a:picLocks noChangeAspect="1"/>
+          </p:cNvPicPr>
+          <p:nvPr/>
+        </p:nvPicPr>
+        <p:blipFill>
+          <a:blip r:embed="rId2"/>
+          <a:stretch>
+            <a:fillRect/>
+          </a:stretch>
+        </p:blipFill>
+        <p:spPr>
+          <a:xfrm>
+            <a:off x="1057055" y="3786189"/>
+            <a:ext cx="10077890" cy="1800222"/>
+          </a:xfrm>
+          <a:prstGeom prst="rect">
+            <a:avLst/>
+          </a:prstGeom>
+        </p:spPr>
+      </p:pic>
     </p:spTree>
     <p:extLst>
       <p:ext uri="{BB962C8B-B14F-4D97-AF65-F5344CB8AC3E}">
-        <p14:creationId xmlns:p14="http://schemas.microsoft.com/office/powerpoint/2010/main" val="1752636859"/>
+        <p14:creationId xmlns:p14="http://schemas.microsoft.com/office/powerpoint/2010/main" val="2194156522"/>
       </p:ext>
     </p:extLst>
   </p:cSld>
@@ -8544,7 +8498,7 @@
                 <a:ea typeface="함초롬돋움" panose="020B0604000101010101" pitchFamily="50" charset="-127"/>
                 <a:cs typeface="함초롬돋움" panose="020B0604000101010101" pitchFamily="50" charset="-127"/>
               </a:rPr>
-              <a:t>모든 </a:t>
+              <a:t>특정 컨트롤의 </a:t>
             </a:r>
             <a:r>
               <a:rPr lang="en-US" altLang="ko-KR" dirty="0" smtClean="0">
@@ -8599,210 +8553,36 @@
               </a:spcAft>
             </a:pPr>
             <a:r>
-              <a:rPr lang="en-US" altLang="ko-KR" dirty="0" err="1" smtClean="0">
-                <a:latin typeface="함초롬돋움" panose="020B0604000101010101" pitchFamily="50" charset="-127"/>
-                <a:ea typeface="함초롬돋움" panose="020B0604000101010101" pitchFamily="50" charset="-127"/>
-                <a:cs typeface="함초롬돋움" panose="020B0604000101010101" pitchFamily="50" charset="-127"/>
-              </a:rPr>
-              <a:t>Bootstrapper</a:t>
-            </a:r>
-            <a:r>
               <a:rPr lang="ko-KR" altLang="en-US" dirty="0" smtClean="0">
                 <a:latin typeface="함초롬돋움" panose="020B0604000101010101" pitchFamily="50" charset="-127"/>
                 <a:ea typeface="함초롬돋움" panose="020B0604000101010101" pitchFamily="50" charset="-127"/>
                 <a:cs typeface="함초롬돋움" panose="020B0604000101010101" pitchFamily="50" charset="-127"/>
               </a:rPr>
-              <a:t>에 </a:t>
-            </a:r>
-            <a:r>
-              <a:rPr lang="en-US" altLang="ko-KR" dirty="0" err="1" smtClean="0"/>
-              <a:t>ConfigureDefaultRegionBehaviors</a:t>
-            </a:r>
-            <a:r>
-              <a:rPr lang="ko-KR" altLang="en-US" dirty="0"/>
+              <a:t>해당 컨트롤에 </a:t>
+            </a:r>
+            <a:r>
+              <a:rPr lang="ko-KR" altLang="en-US" dirty="0" smtClean="0">
+                <a:latin typeface="함초롬돋움" panose="020B0604000101010101" pitchFamily="50" charset="-127"/>
+                <a:ea typeface="함초롬돋움" panose="020B0604000101010101" pitchFamily="50" charset="-127"/>
+                <a:cs typeface="함초롬돋움" panose="020B0604000101010101" pitchFamily="50" charset="-127"/>
+              </a:rPr>
+              <a:t>대한 </a:t>
+            </a:r>
+            <a:r>
+              <a:rPr lang="ko-KR" altLang="en-US" dirty="0" err="1" smtClean="0">
+                <a:latin typeface="함초롬돋움" panose="020B0604000101010101" pitchFamily="50" charset="-127"/>
+                <a:ea typeface="함초롬돋움" panose="020B0604000101010101" pitchFamily="50" charset="-127"/>
+                <a:cs typeface="함초롬돋움" panose="020B0604000101010101" pitchFamily="50" charset="-127"/>
+              </a:rPr>
+              <a:t>커스텀</a:t>
+            </a:r>
+            <a:r>
+              <a:rPr lang="ko-KR" altLang="en-US" dirty="0" smtClean="0">
+                <a:latin typeface="함초롬돋움" panose="020B0604000101010101" pitchFamily="50" charset="-127"/>
+                <a:ea typeface="함초롬돋움" panose="020B0604000101010101" pitchFamily="50" charset="-127"/>
+                <a:cs typeface="함초롬돋움" panose="020B0604000101010101" pitchFamily="50" charset="-127"/>
+              </a:rPr>
               <a:t> </a:t>
-            </a:r>
-            <a:r>
-              <a:rPr lang="ko-KR" altLang="en-US" dirty="0" smtClean="0"/>
-              <a:t>메서드 재정의</a:t>
-            </a:r>
-            <a:endParaRPr lang="en-US" altLang="ko-KR" dirty="0" smtClean="0">
-              <a:latin typeface="함초롬돋움" panose="020B0604000101010101" pitchFamily="50" charset="-127"/>
-              <a:ea typeface="함초롬돋움" panose="020B0604000101010101" pitchFamily="50" charset="-127"/>
-              <a:cs typeface="함초롬돋움" panose="020B0604000101010101" pitchFamily="50" charset="-127"/>
-            </a:endParaRPr>
-          </a:p>
-        </p:txBody>
-      </p:sp>
-      <p:pic>
-        <p:nvPicPr>
-          <p:cNvPr id="3" name="그림 2"/>
-          <p:cNvPicPr>
-            <a:picLocks noChangeAspect="1"/>
-          </p:cNvPicPr>
-          <p:nvPr/>
-        </p:nvPicPr>
-        <p:blipFill>
-          <a:blip r:embed="rId2"/>
-          <a:stretch>
-            <a:fillRect/>
-          </a:stretch>
-        </p:blipFill>
-        <p:spPr>
-          <a:xfrm>
-            <a:off x="1057055" y="3786189"/>
-            <a:ext cx="10077890" cy="1800222"/>
-          </a:xfrm>
-          <a:prstGeom prst="rect">
-            <a:avLst/>
-          </a:prstGeom>
-        </p:spPr>
-      </p:pic>
-    </p:spTree>
-    <p:extLst>
-      <p:ext uri="{BB962C8B-B14F-4D97-AF65-F5344CB8AC3E}">
-        <p14:creationId xmlns:p14="http://schemas.microsoft.com/office/powerpoint/2010/main" val="2194156522"/>
-      </p:ext>
-    </p:extLst>
-  </p:cSld>
-  <p:clrMapOvr>
-    <a:masterClrMapping/>
-  </p:clrMapOvr>
-  <p:timing>
-    <p:tnLst>
-      <p:par>
-        <p:cTn id="1" dur="indefinite" restart="never" nodeType="tmRoot"/>
-      </p:par>
-    </p:tnLst>
-  </p:timing>
-</p:sld>
-</file>
-
-<file path=ppt/slides/slide26.xml><?xml version="1.0" encoding="utf-8"?>
-<p:sld xmlns:a="http://schemas.openxmlformats.org/drawingml/2006/main" xmlns:r="http://schemas.openxmlformats.org/officeDocument/2006/relationships" xmlns:p="http://schemas.openxmlformats.org/presentationml/2006/main">
-  <p:cSld>
-    <p:spTree>
-      <p:nvGrpSpPr>
-        <p:cNvPr id="1" name=""/>
-        <p:cNvGrpSpPr/>
-        <p:nvPr/>
-      </p:nvGrpSpPr>
-      <p:grpSpPr>
-        <a:xfrm>
-          <a:off x="0" y="0"/>
-          <a:ext cx="0" cy="0"/>
-          <a:chOff x="0" y="0"/>
-          <a:chExt cx="0" cy="0"/>
-        </a:xfrm>
-      </p:grpSpPr>
-      <p:sp>
-        <p:nvSpPr>
-          <p:cNvPr id="7" name="제목 1"/>
-          <p:cNvSpPr txBox="1">
-            <a:spLocks/>
-          </p:cNvSpPr>
-          <p:nvPr/>
-        </p:nvSpPr>
-        <p:spPr>
-          <a:xfrm>
-            <a:off x="838200" y="365125"/>
-            <a:ext cx="10515600" cy="1090189"/>
-          </a:xfrm>
-          <a:prstGeom prst="rect">
-            <a:avLst/>
-          </a:prstGeom>
-        </p:spPr>
-        <p:txBody>
-          <a:bodyPr vert="horz" lIns="91440" tIns="45720" rIns="91440" bIns="45720" rtlCol="0" anchor="ctr">
-            <a:normAutofit/>
-          </a:bodyPr>
-          <a:lstStyle>
-            <a:lvl1pPr algn="l" defTabSz="914400" rtl="0" eaLnBrk="1" latinLnBrk="1" hangingPunct="1">
-              <a:lnSpc>
-                <a:spcPct val="90000"/>
-              </a:lnSpc>
-              <a:spcBef>
-                <a:spcPct val="0"/>
-              </a:spcBef>
-              <a:buNone/>
-              <a:defRPr sz="4800" kern="1200">
-                <a:solidFill>
-                  <a:schemeClr val="accent4"/>
-                </a:solidFill>
-                <a:latin typeface="+mj-lt"/>
-                <a:ea typeface="+mj-ea"/>
-                <a:cs typeface="+mj-cs"/>
-              </a:defRPr>
-            </a:lvl1pPr>
-          </a:lstStyle>
-          <a:p>
-            <a:r>
-              <a:rPr lang="ko-KR" altLang="en-US" dirty="0" smtClean="0">
-                <a:latin typeface="함초롬돋움" panose="020B0604000101010101" pitchFamily="50" charset="-127"/>
-                <a:ea typeface="함초롬돋움" panose="020B0604000101010101" pitchFamily="50" charset="-127"/>
-                <a:cs typeface="함초롬돋움" panose="020B0604000101010101" pitchFamily="50" charset="-127"/>
-              </a:rPr>
-              <a:t>특정 컨트롤의 </a:t>
-            </a:r>
-            <a:r>
-              <a:rPr lang="en-US" altLang="ko-KR" dirty="0" smtClean="0">
-                <a:latin typeface="함초롬돋움" panose="020B0604000101010101" pitchFamily="50" charset="-127"/>
-                <a:ea typeface="함초롬돋움" panose="020B0604000101010101" pitchFamily="50" charset="-127"/>
-                <a:cs typeface="함초롬돋움" panose="020B0604000101010101" pitchFamily="50" charset="-127"/>
-              </a:rPr>
-              <a:t>Region</a:t>
-            </a:r>
-            <a:r>
-              <a:rPr lang="ko-KR" altLang="en-US" dirty="0" smtClean="0">
-                <a:latin typeface="함초롬돋움" panose="020B0604000101010101" pitchFamily="50" charset="-127"/>
-                <a:ea typeface="함초롬돋움" panose="020B0604000101010101" pitchFamily="50" charset="-127"/>
-                <a:cs typeface="함초롬돋움" panose="020B0604000101010101" pitchFamily="50" charset="-127"/>
-              </a:rPr>
-              <a:t>에 적용</a:t>
-            </a:r>
-            <a:endParaRPr lang="ko-KR" altLang="en-US" dirty="0">
-              <a:latin typeface="함초롬돋움" panose="020B0604000101010101" pitchFamily="50" charset="-127"/>
-              <a:ea typeface="함초롬돋움" panose="020B0604000101010101" pitchFamily="50" charset="-127"/>
-              <a:cs typeface="함초롬돋움" panose="020B0604000101010101" pitchFamily="50" charset="-127"/>
-            </a:endParaRPr>
-          </a:p>
-        </p:txBody>
-      </p:sp>
-      <p:sp>
-        <p:nvSpPr>
-          <p:cNvPr id="10" name="내용 개체 틀 2"/>
-          <p:cNvSpPr>
-            <a:spLocks noGrp="1"/>
-          </p:cNvSpPr>
-          <p:nvPr>
-            <p:ph idx="1"/>
-          </p:nvPr>
-        </p:nvSpPr>
-        <p:spPr/>
-        <p:txBody>
-          <a:bodyPr>
-            <a:noAutofit/>
-          </a:bodyPr>
-          <a:lstStyle/>
-          <a:p>
-            <a:pPr eaLnBrk="0" fontAlgn="base" latinLnBrk="0" hangingPunct="0">
-              <a:lnSpc>
-                <a:spcPct val="100000"/>
-              </a:lnSpc>
-              <a:spcBef>
-                <a:spcPct val="0"/>
-              </a:spcBef>
-              <a:spcAft>
-                <a:spcPct val="0"/>
-              </a:spcAft>
-            </a:pPr>
-            <a:r>
-              <a:rPr lang="ko-KR" altLang="en-US" dirty="0" smtClean="0">
-                <a:latin typeface="함초롬돋움" panose="020B0604000101010101" pitchFamily="50" charset="-127"/>
-                <a:ea typeface="함초롬돋움" panose="020B0604000101010101" pitchFamily="50" charset="-127"/>
-                <a:cs typeface="함초롬돋움" panose="020B0604000101010101" pitchFamily="50" charset="-127"/>
-              </a:rPr>
-              <a:t>해당 컨트롤에 </a:t>
             </a:r>
             <a:r>
               <a:rPr lang="en-US" altLang="ko-KR" dirty="0" err="1" smtClean="0">
